--- a/Club Meetings 2023/Meeting 06 - Jun 04 2023/LN298 Wiring and Explanation.pptx
+++ b/Club Meetings 2023/Meeting 06 - Jun 04 2023/LN298 Wiring and Explanation.pptx
@@ -11,6 +11,8 @@
     <p:sldId id="260" r:id="rId5"/>
     <p:sldId id="261" r:id="rId6"/>
     <p:sldId id="262" r:id="rId7"/>
+    <p:sldId id="263" r:id="rId8"/>
+    <p:sldId id="264" r:id="rId9"/>
   </p:sldIdLst>
   <p:sldSz cx="12192000" cy="6858000"/>
   <p:notesSz cx="6858000" cy="9144000"/>
@@ -109,6 +111,11 @@
       </a:defRPr>
     </a:lvl9pPr>
   </p:defaultTextStyle>
+  <p:extLst>
+    <p:ext uri="{EFAFB233-063F-42B5-8137-9DF3F51BA10A}">
+      <p15:sldGuideLst xmlns:p15="http://schemas.microsoft.com/office/powerpoint/2012/main"/>
+    </p:ext>
+  </p:extLst>
 </p:presentation>
 </file>
 
@@ -261,7 +268,7 @@
           <a:p>
             <a:fld id="{7ABB9423-A254-4D14-A209-4E45C036B111}" type="datetimeFigureOut">
               <a:rPr lang="en-SG" smtClean="0"/>
-              <a:t>18/5/2023</a:t>
+              <a:t>30/5/2023</a:t>
             </a:fld>
             <a:endParaRPr lang="en-SG"/>
           </a:p>
@@ -461,7 +468,7 @@
           <a:p>
             <a:fld id="{7ABB9423-A254-4D14-A209-4E45C036B111}" type="datetimeFigureOut">
               <a:rPr lang="en-SG" smtClean="0"/>
-              <a:t>18/5/2023</a:t>
+              <a:t>30/5/2023</a:t>
             </a:fld>
             <a:endParaRPr lang="en-SG"/>
           </a:p>
@@ -671,7 +678,7 @@
           <a:p>
             <a:fld id="{7ABB9423-A254-4D14-A209-4E45C036B111}" type="datetimeFigureOut">
               <a:rPr lang="en-SG" smtClean="0"/>
-              <a:t>18/5/2023</a:t>
+              <a:t>30/5/2023</a:t>
             </a:fld>
             <a:endParaRPr lang="en-SG"/>
           </a:p>
@@ -871,7 +878,7 @@
           <a:p>
             <a:fld id="{7ABB9423-A254-4D14-A209-4E45C036B111}" type="datetimeFigureOut">
               <a:rPr lang="en-SG" smtClean="0"/>
-              <a:t>18/5/2023</a:t>
+              <a:t>30/5/2023</a:t>
             </a:fld>
             <a:endParaRPr lang="en-SG"/>
           </a:p>
@@ -1147,7 +1154,7 @@
           <a:p>
             <a:fld id="{7ABB9423-A254-4D14-A209-4E45C036B111}" type="datetimeFigureOut">
               <a:rPr lang="en-SG" smtClean="0"/>
-              <a:t>18/5/2023</a:t>
+              <a:t>30/5/2023</a:t>
             </a:fld>
             <a:endParaRPr lang="en-SG"/>
           </a:p>
@@ -1415,7 +1422,7 @@
           <a:p>
             <a:fld id="{7ABB9423-A254-4D14-A209-4E45C036B111}" type="datetimeFigureOut">
               <a:rPr lang="en-SG" smtClean="0"/>
-              <a:t>18/5/2023</a:t>
+              <a:t>30/5/2023</a:t>
             </a:fld>
             <a:endParaRPr lang="en-SG"/>
           </a:p>
@@ -1830,7 +1837,7 @@
           <a:p>
             <a:fld id="{7ABB9423-A254-4D14-A209-4E45C036B111}" type="datetimeFigureOut">
               <a:rPr lang="en-SG" smtClean="0"/>
-              <a:t>18/5/2023</a:t>
+              <a:t>30/5/2023</a:t>
             </a:fld>
             <a:endParaRPr lang="en-SG"/>
           </a:p>
@@ -1972,7 +1979,7 @@
           <a:p>
             <a:fld id="{7ABB9423-A254-4D14-A209-4E45C036B111}" type="datetimeFigureOut">
               <a:rPr lang="en-SG" smtClean="0"/>
-              <a:t>18/5/2023</a:t>
+              <a:t>30/5/2023</a:t>
             </a:fld>
             <a:endParaRPr lang="en-SG"/>
           </a:p>
@@ -2085,7 +2092,7 @@
           <a:p>
             <a:fld id="{7ABB9423-A254-4D14-A209-4E45C036B111}" type="datetimeFigureOut">
               <a:rPr lang="en-SG" smtClean="0"/>
-              <a:t>18/5/2023</a:t>
+              <a:t>30/5/2023</a:t>
             </a:fld>
             <a:endParaRPr lang="en-SG"/>
           </a:p>
@@ -2398,7 +2405,7 @@
           <a:p>
             <a:fld id="{7ABB9423-A254-4D14-A209-4E45C036B111}" type="datetimeFigureOut">
               <a:rPr lang="en-SG" smtClean="0"/>
-              <a:t>18/5/2023</a:t>
+              <a:t>30/5/2023</a:t>
             </a:fld>
             <a:endParaRPr lang="en-SG"/>
           </a:p>
@@ -2687,7 +2694,7 @@
           <a:p>
             <a:fld id="{7ABB9423-A254-4D14-A209-4E45C036B111}" type="datetimeFigureOut">
               <a:rPr lang="en-SG" smtClean="0"/>
-              <a:t>18/5/2023</a:t>
+              <a:t>30/5/2023</a:t>
             </a:fld>
             <a:endParaRPr lang="en-SG"/>
           </a:p>
@@ -2930,7 +2937,7 @@
           <a:p>
             <a:fld id="{7ABB9423-A254-4D14-A209-4E45C036B111}" type="datetimeFigureOut">
               <a:rPr lang="en-SG" smtClean="0"/>
-              <a:t>18/5/2023</a:t>
+              <a:t>30/5/2023</a:t>
             </a:fld>
             <a:endParaRPr lang="en-SG"/>
           </a:p>
@@ -8037,10 +8044,10 @@
       </p:grpSp>
       <p:grpSp>
         <p:nvGrpSpPr>
-          <p:cNvPr id="38" name="Group 37">
+          <p:cNvPr id="2" name="Group 1">
             <a:extLst>
               <a:ext uri="{FF2B5EF4-FFF2-40B4-BE49-F238E27FC236}">
-                <a16:creationId xmlns:a16="http://schemas.microsoft.com/office/drawing/2014/main" id="{4EB6C740-93F3-5E43-845E-5749CB9C68D1}"/>
+                <a16:creationId xmlns:a16="http://schemas.microsoft.com/office/drawing/2014/main" id="{B45E862E-52FA-EEEC-8867-C15B0A717EAC}"/>
               </a:ext>
             </a:extLst>
           </p:cNvPr>
@@ -8049,10 +8056,10 @@
         </p:nvGrpSpPr>
         <p:grpSpPr>
           <a:xfrm>
-            <a:off x="4465824" y="5284650"/>
-            <a:ext cx="408779" cy="1094936"/>
-            <a:chOff x="4465824" y="5284650"/>
-            <a:chExt cx="408779" cy="1094936"/>
+            <a:off x="4465824" y="5245443"/>
+            <a:ext cx="408779" cy="1161607"/>
+            <a:chOff x="4465824" y="5245443"/>
+            <a:chExt cx="408779" cy="1161607"/>
           </a:xfrm>
         </p:grpSpPr>
         <p:sp>
@@ -8069,7 +8076,7 @@
           </p:nvSpPr>
           <p:spPr>
             <a:xfrm>
-              <a:off x="4465824" y="6108230"/>
+              <a:off x="4465825" y="5245443"/>
               <a:ext cx="408778" cy="271356"/>
             </a:xfrm>
             <a:prstGeom prst="rightArrow">
@@ -8213,7 +8220,7 @@
           </p:nvSpPr>
           <p:spPr>
             <a:xfrm>
-              <a:off x="4465824" y="5284650"/>
+              <a:off x="4465824" y="6135693"/>
               <a:ext cx="408779" cy="271357"/>
             </a:xfrm>
             <a:prstGeom prst="mathMultiply">
@@ -8323,7 +8330,7 @@
                                           </p:stCondLst>
                                         </p:cTn>
                                         <p:tgtEl>
-                                          <p:spTgt spid="38"/>
+                                          <p:spTgt spid="3"/>
                                         </p:tgtEl>
                                         <p:attrNameLst>
                                           <p:attrName>style.visibility</p:attrName>
@@ -8337,7 +8344,7 @@
                                       <p:cBhvr additive="base">
                                         <p:cTn id="7" dur="500" fill="hold"/>
                                         <p:tgtEl>
-                                          <p:spTgt spid="38"/>
+                                          <p:spTgt spid="3"/>
                                         </p:tgtEl>
                                         <p:attrNameLst>
                                           <p:attrName>ppt_x</p:attrName>
@@ -8360,7 +8367,7 @@
                                       <p:cBhvr additive="base">
                                         <p:cTn id="8" dur="500" fill="hold"/>
                                         <p:tgtEl>
-                                          <p:spTgt spid="38"/>
+                                          <p:spTgt spid="3"/>
                                         </p:tgtEl>
                                         <p:attrNameLst>
                                           <p:attrName>ppt_y</p:attrName>
@@ -8414,7 +8421,7 @@
                                           </p:stCondLst>
                                         </p:cTn>
                                         <p:tgtEl>
-                                          <p:spTgt spid="3"/>
+                                          <p:spTgt spid="2"/>
                                         </p:tgtEl>
                                         <p:attrNameLst>
                                           <p:attrName>style.visibility</p:attrName>
@@ -8428,7 +8435,7 @@
                                       <p:cBhvr additive="base">
                                         <p:cTn id="13" dur="500" fill="hold"/>
                                         <p:tgtEl>
-                                          <p:spTgt spid="3"/>
+                                          <p:spTgt spid="2"/>
                                         </p:tgtEl>
                                         <p:attrNameLst>
                                           <p:attrName>ppt_x</p:attrName>
@@ -8451,7 +8458,7 @@
                                       <p:cBhvr additive="base">
                                         <p:cTn id="14" dur="500" fill="hold"/>
                                         <p:tgtEl>
-                                          <p:spTgt spid="3"/>
+                                          <p:spTgt spid="2"/>
                                         </p:tgtEl>
                                         <p:attrNameLst>
                                           <p:attrName>ppt_y</p:attrName>
@@ -9482,6 +9489,97 @@
                       </p:childTnLst>
                     </p:cTn>
                   </p:par>
+                  <p:par>
+                    <p:cTn id="15" fill="hold">
+                      <p:stCondLst>
+                        <p:cond delay="indefinite"/>
+                      </p:stCondLst>
+                      <p:childTnLst>
+                        <p:par>
+                          <p:cTn id="16" fill="hold">
+                            <p:stCondLst>
+                              <p:cond delay="0"/>
+                            </p:stCondLst>
+                            <p:childTnLst>
+                              <p:par>
+                                <p:cTn id="17" presetID="2" presetClass="entr" presetSubtype="4" fill="hold" nodeType="clickEffect">
+                                  <p:stCondLst>
+                                    <p:cond delay="0"/>
+                                  </p:stCondLst>
+                                  <p:childTnLst>
+                                    <p:set>
+                                      <p:cBhvr>
+                                        <p:cTn id="18" dur="1" fill="hold">
+                                          <p:stCondLst>
+                                            <p:cond delay="0"/>
+                                          </p:stCondLst>
+                                        </p:cTn>
+                                        <p:tgtEl>
+                                          <p:spTgt spid="13"/>
+                                        </p:tgtEl>
+                                        <p:attrNameLst>
+                                          <p:attrName>style.visibility</p:attrName>
+                                        </p:attrNameLst>
+                                      </p:cBhvr>
+                                      <p:to>
+                                        <p:strVal val="visible"/>
+                                      </p:to>
+                                    </p:set>
+                                    <p:anim calcmode="lin" valueType="num">
+                                      <p:cBhvr additive="base">
+                                        <p:cTn id="19" dur="500" fill="hold"/>
+                                        <p:tgtEl>
+                                          <p:spTgt spid="13"/>
+                                        </p:tgtEl>
+                                        <p:attrNameLst>
+                                          <p:attrName>ppt_x</p:attrName>
+                                        </p:attrNameLst>
+                                      </p:cBhvr>
+                                      <p:tavLst>
+                                        <p:tav tm="0">
+                                          <p:val>
+                                            <p:strVal val="#ppt_x"/>
+                                          </p:val>
+                                        </p:tav>
+                                        <p:tav tm="100000">
+                                          <p:val>
+                                            <p:strVal val="#ppt_x"/>
+                                          </p:val>
+                                        </p:tav>
+                                      </p:tavLst>
+                                    </p:anim>
+                                    <p:anim calcmode="lin" valueType="num">
+                                      <p:cBhvr additive="base">
+                                        <p:cTn id="20" dur="500" fill="hold"/>
+                                        <p:tgtEl>
+                                          <p:spTgt spid="13"/>
+                                        </p:tgtEl>
+                                        <p:attrNameLst>
+                                          <p:attrName>ppt_y</p:attrName>
+                                        </p:attrNameLst>
+                                      </p:cBhvr>
+                                      <p:tavLst>
+                                        <p:tav tm="0">
+                                          <p:val>
+                                            <p:strVal val="1+#ppt_h/2"/>
+                                          </p:val>
+                                        </p:tav>
+                                        <p:tav tm="100000">
+                                          <p:val>
+                                            <p:strVal val="#ppt_y"/>
+                                          </p:val>
+                                        </p:tav>
+                                      </p:tavLst>
+                                    </p:anim>
+                                  </p:childTnLst>
+                                </p:cTn>
+                              </p:par>
+                            </p:childTnLst>
+                          </p:cTn>
+                        </p:par>
+                      </p:childTnLst>
+                    </p:cTn>
+                  </p:par>
                 </p:childTnLst>
               </p:cTn>
               <p:prevCondLst>
@@ -9504,6 +9602,3632 @@
       </p:par>
     </p:tnLst>
   </p:timing>
+</p:sld>
+</file>
+
+<file path=ppt/slides/slide7.xml><?xml version="1.0" encoding="utf-8"?>
+<p:sld xmlns:a="http://schemas.openxmlformats.org/drawingml/2006/main" xmlns:r="http://schemas.openxmlformats.org/officeDocument/2006/relationships" xmlns:p="http://schemas.openxmlformats.org/presentationml/2006/main">
+  <p:cSld>
+    <p:spTree>
+      <p:nvGrpSpPr>
+        <p:cNvPr id="1" name=""/>
+        <p:cNvGrpSpPr/>
+        <p:nvPr/>
+      </p:nvGrpSpPr>
+      <p:grpSpPr>
+        <a:xfrm>
+          <a:off x="0" y="0"/>
+          <a:ext cx="0" cy="0"/>
+          <a:chOff x="0" y="0"/>
+          <a:chExt cx="0" cy="0"/>
+        </a:xfrm>
+      </p:grpSpPr>
+      <p:grpSp>
+        <p:nvGrpSpPr>
+          <p:cNvPr id="58" name="Group 57">
+            <a:extLst>
+              <a:ext uri="{FF2B5EF4-FFF2-40B4-BE49-F238E27FC236}">
+                <a16:creationId xmlns:a16="http://schemas.microsoft.com/office/drawing/2014/main" id="{8CFB3314-4936-F143-8F15-E3C9C1E617F8}"/>
+              </a:ext>
+            </a:extLst>
+          </p:cNvPr>
+          <p:cNvGrpSpPr/>
+          <p:nvPr/>
+        </p:nvGrpSpPr>
+        <p:grpSpPr>
+          <a:xfrm>
+            <a:off x="1158359" y="880603"/>
+            <a:ext cx="2070039" cy="5096794"/>
+            <a:chOff x="1158359" y="880603"/>
+            <a:chExt cx="2070039" cy="5096794"/>
+          </a:xfrm>
+        </p:grpSpPr>
+        <p:sp>
+          <p:nvSpPr>
+            <p:cNvPr id="2" name="Rectangle 1">
+              <a:extLst>
+                <a:ext uri="{FF2B5EF4-FFF2-40B4-BE49-F238E27FC236}">
+                  <a16:creationId xmlns:a16="http://schemas.microsoft.com/office/drawing/2014/main" id="{1667DCC6-7CE9-6380-3C9C-62B2699568EB}"/>
+                </a:ext>
+              </a:extLst>
+            </p:cNvPr>
+            <p:cNvSpPr/>
+            <p:nvPr/>
+          </p:nvSpPr>
+          <p:spPr>
+            <a:xfrm>
+              <a:off x="1782725" y="880603"/>
+              <a:ext cx="737946" cy="5096794"/>
+            </a:xfrm>
+            <a:prstGeom prst="rect">
+              <a:avLst/>
+            </a:prstGeom>
+            <a:solidFill>
+              <a:schemeClr val="tx1"/>
+            </a:solidFill>
+          </p:spPr>
+          <p:style>
+            <a:lnRef idx="2">
+              <a:schemeClr val="accent1">
+                <a:shade val="50000"/>
+              </a:schemeClr>
+            </a:lnRef>
+            <a:fillRef idx="1">
+              <a:schemeClr val="accent1"/>
+            </a:fillRef>
+            <a:effectRef idx="0">
+              <a:schemeClr val="accent1"/>
+            </a:effectRef>
+            <a:fontRef idx="minor">
+              <a:schemeClr val="lt1"/>
+            </a:fontRef>
+          </p:style>
+          <p:txBody>
+            <a:bodyPr rtlCol="0" anchor="ctr"/>
+            <a:lstStyle/>
+            <a:p>
+              <a:pPr algn="ctr"/>
+              <a:endParaRPr lang="en-SG"/>
+            </a:p>
+          </p:txBody>
+        </p:sp>
+        <p:grpSp>
+          <p:nvGrpSpPr>
+            <p:cNvPr id="32" name="Group 31">
+              <a:extLst>
+                <a:ext uri="{FF2B5EF4-FFF2-40B4-BE49-F238E27FC236}">
+                  <a16:creationId xmlns:a16="http://schemas.microsoft.com/office/drawing/2014/main" id="{ADEA4180-E213-57F0-06D3-5F6BEF3C349D}"/>
+                </a:ext>
+              </a:extLst>
+            </p:cNvPr>
+            <p:cNvGrpSpPr/>
+            <p:nvPr/>
+          </p:nvGrpSpPr>
+          <p:grpSpPr>
+            <a:xfrm>
+              <a:off x="2836354" y="1420097"/>
+              <a:ext cx="392044" cy="1298117"/>
+              <a:chOff x="2896397" y="1446879"/>
+              <a:chExt cx="392044" cy="1298117"/>
+            </a:xfrm>
+          </p:grpSpPr>
+          <p:sp>
+            <p:nvSpPr>
+              <p:cNvPr id="25" name="Rectangle 24">
+                <a:extLst>
+                  <a:ext uri="{FF2B5EF4-FFF2-40B4-BE49-F238E27FC236}">
+                    <a16:creationId xmlns:a16="http://schemas.microsoft.com/office/drawing/2014/main" id="{BB3B1FEE-4FB7-727D-5CD7-4C7A29EED772}"/>
+                  </a:ext>
+                </a:extLst>
+              </p:cNvPr>
+              <p:cNvSpPr/>
+              <p:nvPr/>
+            </p:nvSpPr>
+            <p:spPr>
+              <a:xfrm rot="21575079">
+                <a:off x="2896397" y="1446879"/>
+                <a:ext cx="392044" cy="1298117"/>
+              </a:xfrm>
+              <a:prstGeom prst="rect">
+                <a:avLst/>
+              </a:prstGeom>
+              <a:solidFill>
+                <a:srgbClr val="92D050"/>
+              </a:solidFill>
+            </p:spPr>
+            <p:style>
+              <a:lnRef idx="2">
+                <a:schemeClr val="accent1">
+                  <a:shade val="50000"/>
+                </a:schemeClr>
+              </a:lnRef>
+              <a:fillRef idx="1">
+                <a:schemeClr val="accent1"/>
+              </a:fillRef>
+              <a:effectRef idx="0">
+                <a:schemeClr val="accent1"/>
+              </a:effectRef>
+              <a:fontRef idx="minor">
+                <a:schemeClr val="lt1"/>
+              </a:fontRef>
+            </p:style>
+            <p:txBody>
+              <a:bodyPr rtlCol="0" anchor="ctr"/>
+              <a:lstStyle/>
+              <a:p>
+                <a:pPr algn="ctr"/>
+                <a:endParaRPr lang="en-SG"/>
+              </a:p>
+            </p:txBody>
+          </p:sp>
+          <p:sp>
+            <p:nvSpPr>
+              <p:cNvPr id="26" name="Oval 25">
+                <a:extLst>
+                  <a:ext uri="{FF2B5EF4-FFF2-40B4-BE49-F238E27FC236}">
+                    <a16:creationId xmlns:a16="http://schemas.microsoft.com/office/drawing/2014/main" id="{78A125DD-225D-B883-4B65-ED8AAC666279}"/>
+                  </a:ext>
+                </a:extLst>
+              </p:cNvPr>
+              <p:cNvSpPr/>
+              <p:nvPr/>
+            </p:nvSpPr>
+            <p:spPr>
+              <a:xfrm rot="19632020">
+                <a:off x="3129421" y="1673828"/>
+                <a:ext cx="79310" cy="90659"/>
+              </a:xfrm>
+              <a:prstGeom prst="ellipse">
+                <a:avLst/>
+              </a:prstGeom>
+              <a:solidFill>
+                <a:srgbClr val="FFC000"/>
+              </a:solidFill>
+            </p:spPr>
+            <p:style>
+              <a:lnRef idx="2">
+                <a:schemeClr val="accent1">
+                  <a:shade val="50000"/>
+                </a:schemeClr>
+              </a:lnRef>
+              <a:fillRef idx="1">
+                <a:schemeClr val="accent1"/>
+              </a:fillRef>
+              <a:effectRef idx="0">
+                <a:schemeClr val="accent1"/>
+              </a:effectRef>
+              <a:fontRef idx="minor">
+                <a:schemeClr val="lt1"/>
+              </a:fontRef>
+            </p:style>
+            <p:txBody>
+              <a:bodyPr rtlCol="0" anchor="ctr"/>
+              <a:lstStyle/>
+              <a:p>
+                <a:pPr algn="ctr"/>
+                <a:endParaRPr lang="en-SG"/>
+              </a:p>
+            </p:txBody>
+          </p:sp>
+          <p:sp>
+            <p:nvSpPr>
+              <p:cNvPr id="27" name="Oval 26">
+                <a:extLst>
+                  <a:ext uri="{FF2B5EF4-FFF2-40B4-BE49-F238E27FC236}">
+                    <a16:creationId xmlns:a16="http://schemas.microsoft.com/office/drawing/2014/main" id="{8871C30A-8FE8-EAF8-7819-A1F1E1770E9A}"/>
+                  </a:ext>
+                </a:extLst>
+              </p:cNvPr>
+              <p:cNvSpPr/>
+              <p:nvPr/>
+            </p:nvSpPr>
+            <p:spPr>
+              <a:xfrm rot="19632020">
+                <a:off x="2963276" y="1674834"/>
+                <a:ext cx="79310" cy="90659"/>
+              </a:xfrm>
+              <a:prstGeom prst="ellipse">
+                <a:avLst/>
+              </a:prstGeom>
+              <a:solidFill>
+                <a:srgbClr val="FFC000"/>
+              </a:solidFill>
+            </p:spPr>
+            <p:style>
+              <a:lnRef idx="2">
+                <a:schemeClr val="accent1">
+                  <a:shade val="50000"/>
+                </a:schemeClr>
+              </a:lnRef>
+              <a:fillRef idx="1">
+                <a:schemeClr val="accent1"/>
+              </a:fillRef>
+              <a:effectRef idx="0">
+                <a:schemeClr val="accent1"/>
+              </a:effectRef>
+              <a:fontRef idx="minor">
+                <a:schemeClr val="lt1"/>
+              </a:fontRef>
+            </p:style>
+            <p:txBody>
+              <a:bodyPr rtlCol="0" anchor="ctr"/>
+              <a:lstStyle/>
+              <a:p>
+                <a:pPr algn="ctr"/>
+                <a:endParaRPr lang="en-SG"/>
+              </a:p>
+            </p:txBody>
+          </p:sp>
+        </p:grpSp>
+        <p:grpSp>
+          <p:nvGrpSpPr>
+            <p:cNvPr id="33" name="Group 32">
+              <a:extLst>
+                <a:ext uri="{FF2B5EF4-FFF2-40B4-BE49-F238E27FC236}">
+                  <a16:creationId xmlns:a16="http://schemas.microsoft.com/office/drawing/2014/main" id="{B24DD639-D833-F316-0ECF-0063F0127CCA}"/>
+                </a:ext>
+              </a:extLst>
+            </p:cNvPr>
+            <p:cNvGrpSpPr/>
+            <p:nvPr/>
+          </p:nvGrpSpPr>
+          <p:grpSpPr>
+            <a:xfrm>
+              <a:off x="1158359" y="1418693"/>
+              <a:ext cx="392044" cy="1298117"/>
+              <a:chOff x="2896397" y="1446879"/>
+              <a:chExt cx="392044" cy="1298117"/>
+            </a:xfrm>
+          </p:grpSpPr>
+          <p:sp>
+            <p:nvSpPr>
+              <p:cNvPr id="34" name="Rectangle 33">
+                <a:extLst>
+                  <a:ext uri="{FF2B5EF4-FFF2-40B4-BE49-F238E27FC236}">
+                    <a16:creationId xmlns:a16="http://schemas.microsoft.com/office/drawing/2014/main" id="{4D11B46D-3B4F-F953-2F2F-D158B8786159}"/>
+                  </a:ext>
+                </a:extLst>
+              </p:cNvPr>
+              <p:cNvSpPr/>
+              <p:nvPr/>
+            </p:nvSpPr>
+            <p:spPr>
+              <a:xfrm rot="21575079">
+                <a:off x="2896397" y="1446879"/>
+                <a:ext cx="392044" cy="1298117"/>
+              </a:xfrm>
+              <a:prstGeom prst="rect">
+                <a:avLst/>
+              </a:prstGeom>
+              <a:solidFill>
+                <a:srgbClr val="92D050"/>
+              </a:solidFill>
+            </p:spPr>
+            <p:style>
+              <a:lnRef idx="2">
+                <a:schemeClr val="accent1">
+                  <a:shade val="50000"/>
+                </a:schemeClr>
+              </a:lnRef>
+              <a:fillRef idx="1">
+                <a:schemeClr val="accent1"/>
+              </a:fillRef>
+              <a:effectRef idx="0">
+                <a:schemeClr val="accent1"/>
+              </a:effectRef>
+              <a:fontRef idx="minor">
+                <a:schemeClr val="lt1"/>
+              </a:fontRef>
+            </p:style>
+            <p:txBody>
+              <a:bodyPr rtlCol="0" anchor="ctr"/>
+              <a:lstStyle/>
+              <a:p>
+                <a:pPr algn="ctr"/>
+                <a:endParaRPr lang="en-SG"/>
+              </a:p>
+            </p:txBody>
+          </p:sp>
+          <p:sp>
+            <p:nvSpPr>
+              <p:cNvPr id="35" name="Oval 34">
+                <a:extLst>
+                  <a:ext uri="{FF2B5EF4-FFF2-40B4-BE49-F238E27FC236}">
+                    <a16:creationId xmlns:a16="http://schemas.microsoft.com/office/drawing/2014/main" id="{F97C325F-85F8-00AE-4EC8-48C777CFA061}"/>
+                  </a:ext>
+                </a:extLst>
+              </p:cNvPr>
+              <p:cNvSpPr/>
+              <p:nvPr/>
+            </p:nvSpPr>
+            <p:spPr>
+              <a:xfrm rot="19632020">
+                <a:off x="3129421" y="1673828"/>
+                <a:ext cx="79310" cy="90659"/>
+              </a:xfrm>
+              <a:prstGeom prst="ellipse">
+                <a:avLst/>
+              </a:prstGeom>
+              <a:solidFill>
+                <a:srgbClr val="FFC000"/>
+              </a:solidFill>
+            </p:spPr>
+            <p:style>
+              <a:lnRef idx="2">
+                <a:schemeClr val="accent1">
+                  <a:shade val="50000"/>
+                </a:schemeClr>
+              </a:lnRef>
+              <a:fillRef idx="1">
+                <a:schemeClr val="accent1"/>
+              </a:fillRef>
+              <a:effectRef idx="0">
+                <a:schemeClr val="accent1"/>
+              </a:effectRef>
+              <a:fontRef idx="minor">
+                <a:schemeClr val="lt1"/>
+              </a:fontRef>
+            </p:style>
+            <p:txBody>
+              <a:bodyPr rtlCol="0" anchor="ctr"/>
+              <a:lstStyle/>
+              <a:p>
+                <a:pPr algn="ctr"/>
+                <a:endParaRPr lang="en-SG"/>
+              </a:p>
+            </p:txBody>
+          </p:sp>
+          <p:sp>
+            <p:nvSpPr>
+              <p:cNvPr id="36" name="Oval 35">
+                <a:extLst>
+                  <a:ext uri="{FF2B5EF4-FFF2-40B4-BE49-F238E27FC236}">
+                    <a16:creationId xmlns:a16="http://schemas.microsoft.com/office/drawing/2014/main" id="{C42F460C-0B40-4DDE-2FAF-F9BF1035075C}"/>
+                  </a:ext>
+                </a:extLst>
+              </p:cNvPr>
+              <p:cNvSpPr/>
+              <p:nvPr/>
+            </p:nvSpPr>
+            <p:spPr>
+              <a:xfrm rot="19632020">
+                <a:off x="2963276" y="1674834"/>
+                <a:ext cx="79310" cy="90659"/>
+              </a:xfrm>
+              <a:prstGeom prst="ellipse">
+                <a:avLst/>
+              </a:prstGeom>
+              <a:solidFill>
+                <a:srgbClr val="FFC000"/>
+              </a:solidFill>
+            </p:spPr>
+            <p:style>
+              <a:lnRef idx="2">
+                <a:schemeClr val="accent1">
+                  <a:shade val="50000"/>
+                </a:schemeClr>
+              </a:lnRef>
+              <a:fillRef idx="1">
+                <a:schemeClr val="accent1"/>
+              </a:fillRef>
+              <a:effectRef idx="0">
+                <a:schemeClr val="accent1"/>
+              </a:effectRef>
+              <a:fontRef idx="minor">
+                <a:schemeClr val="lt1"/>
+              </a:fontRef>
+            </p:style>
+            <p:txBody>
+              <a:bodyPr rtlCol="0" anchor="ctr"/>
+              <a:lstStyle/>
+              <a:p>
+                <a:pPr algn="ctr"/>
+                <a:endParaRPr lang="en-SG"/>
+              </a:p>
+            </p:txBody>
+          </p:sp>
+        </p:grpSp>
+      </p:grpSp>
+      <p:sp>
+        <p:nvSpPr>
+          <p:cNvPr id="59" name="TextBox 58">
+            <a:extLst>
+              <a:ext uri="{FF2B5EF4-FFF2-40B4-BE49-F238E27FC236}">
+                <a16:creationId xmlns:a16="http://schemas.microsoft.com/office/drawing/2014/main" id="{352176F6-3E88-CFBB-87F3-8C2CC53DADFD}"/>
+              </a:ext>
+            </a:extLst>
+          </p:cNvPr>
+          <p:cNvSpPr txBox="1"/>
+          <p:nvPr/>
+        </p:nvSpPr>
+        <p:spPr>
+          <a:xfrm>
+            <a:off x="1550251" y="4278343"/>
+            <a:ext cx="1320490" cy="646331"/>
+          </a:xfrm>
+          <a:prstGeom prst="rect">
+            <a:avLst/>
+          </a:prstGeom>
+          <a:solidFill>
+            <a:srgbClr val="FFC000"/>
+          </a:solidFill>
+        </p:spPr>
+        <p:txBody>
+          <a:bodyPr wrap="none" rtlCol="0">
+            <a:spAutoFit/>
+          </a:bodyPr>
+          <a:lstStyle/>
+          <a:p>
+            <a:r>
+              <a:rPr lang="en-US" b="1" dirty="0">
+                <a:solidFill>
+                  <a:srgbClr val="FF0000"/>
+                </a:solidFill>
+              </a:rPr>
+              <a:t>ROBOT</a:t>
+            </a:r>
+          </a:p>
+          <a:p>
+            <a:r>
+              <a:rPr lang="en-US" b="1" dirty="0">
+                <a:solidFill>
+                  <a:srgbClr val="FF0000"/>
+                </a:solidFill>
+              </a:rPr>
+              <a:t>ON COURSE</a:t>
+            </a:r>
+            <a:endParaRPr lang="en-SG" b="1" dirty="0">
+              <a:solidFill>
+                <a:srgbClr val="FF0000"/>
+              </a:solidFill>
+            </a:endParaRPr>
+          </a:p>
+        </p:txBody>
+      </p:sp>
+      <p:grpSp>
+        <p:nvGrpSpPr>
+          <p:cNvPr id="63" name="Group 62">
+            <a:extLst>
+              <a:ext uri="{FF2B5EF4-FFF2-40B4-BE49-F238E27FC236}">
+                <a16:creationId xmlns:a16="http://schemas.microsoft.com/office/drawing/2014/main" id="{CFBBB7EA-C348-5920-B80C-606B159F8CA2}"/>
+              </a:ext>
+            </a:extLst>
+          </p:cNvPr>
+          <p:cNvGrpSpPr/>
+          <p:nvPr/>
+        </p:nvGrpSpPr>
+        <p:grpSpPr>
+          <a:xfrm>
+            <a:off x="6592645" y="880603"/>
+            <a:ext cx="1434303" cy="5096794"/>
+            <a:chOff x="5390759" y="880603"/>
+            <a:chExt cx="1434303" cy="5096794"/>
+          </a:xfrm>
+        </p:grpSpPr>
+        <p:grpSp>
+          <p:nvGrpSpPr>
+            <p:cNvPr id="57" name="Group 56">
+              <a:extLst>
+                <a:ext uri="{FF2B5EF4-FFF2-40B4-BE49-F238E27FC236}">
+                  <a16:creationId xmlns:a16="http://schemas.microsoft.com/office/drawing/2014/main" id="{361935FE-A069-982D-74E7-BA8862C76892}"/>
+                </a:ext>
+              </a:extLst>
+            </p:cNvPr>
+            <p:cNvGrpSpPr/>
+            <p:nvPr/>
+          </p:nvGrpSpPr>
+          <p:grpSpPr>
+            <a:xfrm>
+              <a:off x="5447115" y="880603"/>
+              <a:ext cx="1156663" cy="5096794"/>
+              <a:chOff x="4618251" y="880603"/>
+              <a:chExt cx="1156663" cy="5096794"/>
+            </a:xfrm>
+          </p:grpSpPr>
+          <p:sp>
+            <p:nvSpPr>
+              <p:cNvPr id="37" name="Rectangle 36">
+                <a:extLst>
+                  <a:ext uri="{FF2B5EF4-FFF2-40B4-BE49-F238E27FC236}">
+                    <a16:creationId xmlns:a16="http://schemas.microsoft.com/office/drawing/2014/main" id="{F3CF2557-22B0-49DD-0746-D488AFEE6CCC}"/>
+                  </a:ext>
+                </a:extLst>
+              </p:cNvPr>
+              <p:cNvSpPr/>
+              <p:nvPr/>
+            </p:nvSpPr>
+            <p:spPr>
+              <a:xfrm>
+                <a:off x="4840946" y="880603"/>
+                <a:ext cx="737946" cy="5096794"/>
+              </a:xfrm>
+              <a:prstGeom prst="rect">
+                <a:avLst/>
+              </a:prstGeom>
+              <a:solidFill>
+                <a:schemeClr val="tx1"/>
+              </a:solidFill>
+            </p:spPr>
+            <p:style>
+              <a:lnRef idx="2">
+                <a:schemeClr val="accent1">
+                  <a:shade val="50000"/>
+                </a:schemeClr>
+              </a:lnRef>
+              <a:fillRef idx="1">
+                <a:schemeClr val="accent1"/>
+              </a:fillRef>
+              <a:effectRef idx="0">
+                <a:schemeClr val="accent1"/>
+              </a:effectRef>
+              <a:fontRef idx="minor">
+                <a:schemeClr val="lt1"/>
+              </a:fontRef>
+            </p:style>
+            <p:txBody>
+              <a:bodyPr rtlCol="0" anchor="ctr"/>
+              <a:lstStyle/>
+              <a:p>
+                <a:pPr algn="ctr"/>
+                <a:endParaRPr lang="en-SG"/>
+              </a:p>
+            </p:txBody>
+          </p:sp>
+          <p:grpSp>
+            <p:nvGrpSpPr>
+              <p:cNvPr id="38" name="Group 37">
+                <a:extLst>
+                  <a:ext uri="{FF2B5EF4-FFF2-40B4-BE49-F238E27FC236}">
+                    <a16:creationId xmlns:a16="http://schemas.microsoft.com/office/drawing/2014/main" id="{31D2B5F7-1D26-1719-0055-533494B238F8}"/>
+                  </a:ext>
+                </a:extLst>
+              </p:cNvPr>
+              <p:cNvGrpSpPr/>
+              <p:nvPr/>
+            </p:nvGrpSpPr>
+            <p:grpSpPr>
+              <a:xfrm rot="2518865">
+                <a:off x="5382870" y="1909497"/>
+                <a:ext cx="392044" cy="1298117"/>
+                <a:chOff x="2896397" y="1446879"/>
+                <a:chExt cx="392044" cy="1298117"/>
+              </a:xfrm>
+            </p:grpSpPr>
+            <p:sp>
+              <p:nvSpPr>
+                <p:cNvPr id="39" name="Rectangle 38">
+                  <a:extLst>
+                    <a:ext uri="{FF2B5EF4-FFF2-40B4-BE49-F238E27FC236}">
+                      <a16:creationId xmlns:a16="http://schemas.microsoft.com/office/drawing/2014/main" id="{3F3902E2-D2F7-F5A5-C3EE-12F31277922E}"/>
+                    </a:ext>
+                  </a:extLst>
+                </p:cNvPr>
+                <p:cNvSpPr/>
+                <p:nvPr/>
+              </p:nvSpPr>
+              <p:spPr>
+                <a:xfrm rot="21575079">
+                  <a:off x="2896397" y="1446879"/>
+                  <a:ext cx="392044" cy="1298117"/>
+                </a:xfrm>
+                <a:prstGeom prst="rect">
+                  <a:avLst/>
+                </a:prstGeom>
+                <a:solidFill>
+                  <a:srgbClr val="92D050"/>
+                </a:solidFill>
+              </p:spPr>
+              <p:style>
+                <a:lnRef idx="2">
+                  <a:schemeClr val="accent1">
+                    <a:shade val="50000"/>
+                  </a:schemeClr>
+                </a:lnRef>
+                <a:fillRef idx="1">
+                  <a:schemeClr val="accent1"/>
+                </a:fillRef>
+                <a:effectRef idx="0">
+                  <a:schemeClr val="accent1"/>
+                </a:effectRef>
+                <a:fontRef idx="minor">
+                  <a:schemeClr val="lt1"/>
+                </a:fontRef>
+              </p:style>
+              <p:txBody>
+                <a:bodyPr rtlCol="0" anchor="ctr"/>
+                <a:lstStyle/>
+                <a:p>
+                  <a:pPr algn="ctr"/>
+                  <a:endParaRPr lang="en-SG"/>
+                </a:p>
+              </p:txBody>
+            </p:sp>
+            <p:sp>
+              <p:nvSpPr>
+                <p:cNvPr id="40" name="Oval 39">
+                  <a:extLst>
+                    <a:ext uri="{FF2B5EF4-FFF2-40B4-BE49-F238E27FC236}">
+                      <a16:creationId xmlns:a16="http://schemas.microsoft.com/office/drawing/2014/main" id="{2FF11B57-3A59-A721-F24C-84549CF3BA0F}"/>
+                    </a:ext>
+                  </a:extLst>
+                </p:cNvPr>
+                <p:cNvSpPr/>
+                <p:nvPr/>
+              </p:nvSpPr>
+              <p:spPr>
+                <a:xfrm rot="19632020">
+                  <a:off x="3129421" y="1673828"/>
+                  <a:ext cx="79310" cy="90659"/>
+                </a:xfrm>
+                <a:prstGeom prst="ellipse">
+                  <a:avLst/>
+                </a:prstGeom>
+                <a:solidFill>
+                  <a:srgbClr val="FFC000"/>
+                </a:solidFill>
+              </p:spPr>
+              <p:style>
+                <a:lnRef idx="2">
+                  <a:schemeClr val="accent1">
+                    <a:shade val="50000"/>
+                  </a:schemeClr>
+                </a:lnRef>
+                <a:fillRef idx="1">
+                  <a:schemeClr val="accent1"/>
+                </a:fillRef>
+                <a:effectRef idx="0">
+                  <a:schemeClr val="accent1"/>
+                </a:effectRef>
+                <a:fontRef idx="minor">
+                  <a:schemeClr val="lt1"/>
+                </a:fontRef>
+              </p:style>
+              <p:txBody>
+                <a:bodyPr rtlCol="0" anchor="ctr"/>
+                <a:lstStyle/>
+                <a:p>
+                  <a:pPr algn="ctr"/>
+                  <a:endParaRPr lang="en-SG"/>
+                </a:p>
+              </p:txBody>
+            </p:sp>
+            <p:sp>
+              <p:nvSpPr>
+                <p:cNvPr id="41" name="Oval 40">
+                  <a:extLst>
+                    <a:ext uri="{FF2B5EF4-FFF2-40B4-BE49-F238E27FC236}">
+                      <a16:creationId xmlns:a16="http://schemas.microsoft.com/office/drawing/2014/main" id="{F619F921-663C-96F1-D63D-71C05C7B5605}"/>
+                    </a:ext>
+                  </a:extLst>
+                </p:cNvPr>
+                <p:cNvSpPr/>
+                <p:nvPr/>
+              </p:nvSpPr>
+              <p:spPr>
+                <a:xfrm rot="19632020">
+                  <a:off x="2963276" y="1674834"/>
+                  <a:ext cx="79310" cy="90659"/>
+                </a:xfrm>
+                <a:prstGeom prst="ellipse">
+                  <a:avLst/>
+                </a:prstGeom>
+                <a:solidFill>
+                  <a:srgbClr val="FFC000"/>
+                </a:solidFill>
+              </p:spPr>
+              <p:style>
+                <a:lnRef idx="2">
+                  <a:schemeClr val="accent1">
+                    <a:shade val="50000"/>
+                  </a:schemeClr>
+                </a:lnRef>
+                <a:fillRef idx="1">
+                  <a:schemeClr val="accent1"/>
+                </a:fillRef>
+                <a:effectRef idx="0">
+                  <a:schemeClr val="accent1"/>
+                </a:effectRef>
+                <a:fontRef idx="minor">
+                  <a:schemeClr val="lt1"/>
+                </a:fontRef>
+              </p:style>
+              <p:txBody>
+                <a:bodyPr rtlCol="0" anchor="ctr"/>
+                <a:lstStyle/>
+                <a:p>
+                  <a:pPr algn="ctr"/>
+                  <a:endParaRPr lang="en-SG"/>
+                </a:p>
+              </p:txBody>
+            </p:sp>
+          </p:grpSp>
+          <p:grpSp>
+            <p:nvGrpSpPr>
+              <p:cNvPr id="46" name="Group 45">
+                <a:extLst>
+                  <a:ext uri="{FF2B5EF4-FFF2-40B4-BE49-F238E27FC236}">
+                    <a16:creationId xmlns:a16="http://schemas.microsoft.com/office/drawing/2014/main" id="{C3C539F3-B521-256E-E81E-4FD3F7677B17}"/>
+                  </a:ext>
+                </a:extLst>
+              </p:cNvPr>
+              <p:cNvGrpSpPr/>
+              <p:nvPr/>
+            </p:nvGrpSpPr>
+            <p:grpSpPr>
+              <a:xfrm>
+                <a:off x="4618251" y="1333575"/>
+                <a:ext cx="544684" cy="1298117"/>
+                <a:chOff x="4618251" y="1333575"/>
+                <a:chExt cx="544684" cy="1298117"/>
+              </a:xfrm>
+            </p:grpSpPr>
+            <p:sp>
+              <p:nvSpPr>
+                <p:cNvPr id="43" name="Rectangle 42">
+                  <a:extLst>
+                    <a:ext uri="{FF2B5EF4-FFF2-40B4-BE49-F238E27FC236}">
+                      <a16:creationId xmlns:a16="http://schemas.microsoft.com/office/drawing/2014/main" id="{69F7138B-318F-F770-C7FB-CD5BB936DFAD}"/>
+                    </a:ext>
+                  </a:extLst>
+                </p:cNvPr>
+                <p:cNvSpPr/>
+                <p:nvPr/>
+              </p:nvSpPr>
+              <p:spPr>
+                <a:xfrm rot="2493944">
+                  <a:off x="4618251" y="1333575"/>
+                  <a:ext cx="392044" cy="1298117"/>
+                </a:xfrm>
+                <a:prstGeom prst="rect">
+                  <a:avLst/>
+                </a:prstGeom>
+                <a:solidFill>
+                  <a:srgbClr val="92D050"/>
+                </a:solidFill>
+              </p:spPr>
+              <p:style>
+                <a:lnRef idx="2">
+                  <a:schemeClr val="accent1">
+                    <a:shade val="50000"/>
+                  </a:schemeClr>
+                </a:lnRef>
+                <a:fillRef idx="1">
+                  <a:schemeClr val="accent1"/>
+                </a:fillRef>
+                <a:effectRef idx="0">
+                  <a:schemeClr val="accent1"/>
+                </a:effectRef>
+                <a:fontRef idx="minor">
+                  <a:schemeClr val="lt1"/>
+                </a:fontRef>
+              </p:style>
+              <p:txBody>
+                <a:bodyPr rtlCol="0" anchor="ctr"/>
+                <a:lstStyle/>
+                <a:p>
+                  <a:pPr algn="ctr"/>
+                  <a:endParaRPr lang="en-SG"/>
+                </a:p>
+              </p:txBody>
+            </p:sp>
+            <p:sp>
+              <p:nvSpPr>
+                <p:cNvPr id="44" name="Oval 43">
+                  <a:extLst>
+                    <a:ext uri="{FF2B5EF4-FFF2-40B4-BE49-F238E27FC236}">
+                      <a16:creationId xmlns:a16="http://schemas.microsoft.com/office/drawing/2014/main" id="{A6E344EE-38C2-DFC3-BCDE-CB8D311B5815}"/>
+                    </a:ext>
+                  </a:extLst>
+                </p:cNvPr>
+                <p:cNvSpPr/>
+                <p:nvPr/>
+              </p:nvSpPr>
+              <p:spPr>
+                <a:xfrm rot="550885">
+                  <a:off x="5083625" y="1708493"/>
+                  <a:ext cx="79310" cy="90659"/>
+                </a:xfrm>
+                <a:prstGeom prst="ellipse">
+                  <a:avLst/>
+                </a:prstGeom>
+                <a:solidFill>
+                  <a:srgbClr val="FFC000"/>
+                </a:solidFill>
+              </p:spPr>
+              <p:style>
+                <a:lnRef idx="2">
+                  <a:schemeClr val="accent1">
+                    <a:shade val="50000"/>
+                  </a:schemeClr>
+                </a:lnRef>
+                <a:fillRef idx="1">
+                  <a:schemeClr val="accent1"/>
+                </a:fillRef>
+                <a:effectRef idx="0">
+                  <a:schemeClr val="accent1"/>
+                </a:effectRef>
+                <a:fontRef idx="minor">
+                  <a:schemeClr val="lt1"/>
+                </a:fontRef>
+              </p:style>
+              <p:txBody>
+                <a:bodyPr rtlCol="0" anchor="ctr"/>
+                <a:lstStyle/>
+                <a:p>
+                  <a:pPr algn="ctr"/>
+                  <a:endParaRPr lang="en-SG"/>
+                </a:p>
+              </p:txBody>
+            </p:sp>
+            <p:sp>
+              <p:nvSpPr>
+                <p:cNvPr id="45" name="Oval 44">
+                  <a:extLst>
+                    <a:ext uri="{FF2B5EF4-FFF2-40B4-BE49-F238E27FC236}">
+                      <a16:creationId xmlns:a16="http://schemas.microsoft.com/office/drawing/2014/main" id="{4963D7DB-D4CC-582C-01D2-58116DD3EACA}"/>
+                    </a:ext>
+                  </a:extLst>
+                </p:cNvPr>
+                <p:cNvSpPr/>
+                <p:nvPr/>
+              </p:nvSpPr>
+              <p:spPr>
+                <a:xfrm rot="550885">
+                  <a:off x="4959445" y="1598109"/>
+                  <a:ext cx="79310" cy="90659"/>
+                </a:xfrm>
+                <a:prstGeom prst="ellipse">
+                  <a:avLst/>
+                </a:prstGeom>
+                <a:solidFill>
+                  <a:schemeClr val="tx1"/>
+                </a:solidFill>
+              </p:spPr>
+              <p:style>
+                <a:lnRef idx="2">
+                  <a:schemeClr val="accent1">
+                    <a:shade val="50000"/>
+                  </a:schemeClr>
+                </a:lnRef>
+                <a:fillRef idx="1">
+                  <a:schemeClr val="accent1"/>
+                </a:fillRef>
+                <a:effectRef idx="0">
+                  <a:schemeClr val="accent1"/>
+                </a:effectRef>
+                <a:fontRef idx="minor">
+                  <a:schemeClr val="lt1"/>
+                </a:fontRef>
+              </p:style>
+              <p:txBody>
+                <a:bodyPr rtlCol="0" anchor="ctr"/>
+                <a:lstStyle/>
+                <a:p>
+                  <a:pPr algn="ctr"/>
+                  <a:endParaRPr lang="en-SG"/>
+                </a:p>
+              </p:txBody>
+            </p:sp>
+          </p:grpSp>
+        </p:grpSp>
+        <p:grpSp>
+          <p:nvGrpSpPr>
+            <p:cNvPr id="62" name="Group 61">
+              <a:extLst>
+                <a:ext uri="{FF2B5EF4-FFF2-40B4-BE49-F238E27FC236}">
+                  <a16:creationId xmlns:a16="http://schemas.microsoft.com/office/drawing/2014/main" id="{6736E30D-1427-1BCB-2DFB-DB768D14869E}"/>
+                </a:ext>
+              </a:extLst>
+            </p:cNvPr>
+            <p:cNvGrpSpPr/>
+            <p:nvPr/>
+          </p:nvGrpSpPr>
+          <p:grpSpPr>
+            <a:xfrm>
+              <a:off x="5390759" y="4161863"/>
+              <a:ext cx="1434303" cy="1409142"/>
+              <a:chOff x="5390759" y="4161863"/>
+              <a:chExt cx="1434303" cy="1409142"/>
+            </a:xfrm>
+          </p:grpSpPr>
+          <p:sp>
+            <p:nvSpPr>
+              <p:cNvPr id="60" name="TextBox 59">
+                <a:extLst>
+                  <a:ext uri="{FF2B5EF4-FFF2-40B4-BE49-F238E27FC236}">
+                    <a16:creationId xmlns:a16="http://schemas.microsoft.com/office/drawing/2014/main" id="{1F484BFB-C741-86EF-CEE0-E0AD246C9891}"/>
+                  </a:ext>
+                </a:extLst>
+              </p:cNvPr>
+              <p:cNvSpPr txBox="1"/>
+              <p:nvPr/>
+            </p:nvSpPr>
+            <p:spPr>
+              <a:xfrm>
+                <a:off x="5390759" y="4161863"/>
+                <a:ext cx="1432765" cy="646331"/>
+              </a:xfrm>
+              <a:prstGeom prst="rect">
+                <a:avLst/>
+              </a:prstGeom>
+              <a:solidFill>
+                <a:srgbClr val="FFC000"/>
+              </a:solidFill>
+            </p:spPr>
+            <p:txBody>
+              <a:bodyPr wrap="none" rtlCol="0">
+                <a:spAutoFit/>
+              </a:bodyPr>
+              <a:lstStyle/>
+              <a:p>
+                <a:r>
+                  <a:rPr lang="en-US" b="1" dirty="0">
+                    <a:solidFill>
+                      <a:srgbClr val="FF0000"/>
+                    </a:solidFill>
+                  </a:rPr>
+                  <a:t>ROBOT</a:t>
+                </a:r>
+              </a:p>
+              <a:p>
+                <a:r>
+                  <a:rPr lang="en-US" b="1" dirty="0">
+                    <a:solidFill>
+                      <a:srgbClr val="FF0000"/>
+                    </a:solidFill>
+                  </a:rPr>
+                  <a:t>VEERS RIGHT</a:t>
+                </a:r>
+                <a:endParaRPr lang="en-SG" b="1" dirty="0">
+                  <a:solidFill>
+                    <a:srgbClr val="FF0000"/>
+                  </a:solidFill>
+                </a:endParaRPr>
+              </a:p>
+            </p:txBody>
+          </p:sp>
+          <p:sp>
+            <p:nvSpPr>
+              <p:cNvPr id="61" name="TextBox 60">
+                <a:extLst>
+                  <a:ext uri="{FF2B5EF4-FFF2-40B4-BE49-F238E27FC236}">
+                    <a16:creationId xmlns:a16="http://schemas.microsoft.com/office/drawing/2014/main" id="{8AFCBDF2-B8AB-751C-FF7A-E816F417C334}"/>
+                  </a:ext>
+                </a:extLst>
+              </p:cNvPr>
+              <p:cNvSpPr txBox="1"/>
+              <p:nvPr/>
+            </p:nvSpPr>
+            <p:spPr>
+              <a:xfrm>
+                <a:off x="5390759" y="4924674"/>
+                <a:ext cx="1434303" cy="646331"/>
+              </a:xfrm>
+              <a:prstGeom prst="rect">
+                <a:avLst/>
+              </a:prstGeom>
+              <a:solidFill>
+                <a:srgbClr val="FFC000"/>
+              </a:solidFill>
+            </p:spPr>
+            <p:txBody>
+              <a:bodyPr wrap="none" rtlCol="0">
+                <a:spAutoFit/>
+              </a:bodyPr>
+              <a:lstStyle/>
+              <a:p>
+                <a:r>
+                  <a:rPr lang="en-US" b="1" dirty="0">
+                    <a:solidFill>
+                      <a:srgbClr val="FF0000"/>
+                    </a:solidFill>
+                  </a:rPr>
+                  <a:t>CORRECTION</a:t>
+                </a:r>
+              </a:p>
+              <a:p>
+                <a:r>
+                  <a:rPr lang="en-SG" b="1" dirty="0">
+                    <a:solidFill>
+                      <a:srgbClr val="FF0000"/>
+                    </a:solidFill>
+                  </a:rPr>
+                  <a:t>MOVE LEFT</a:t>
+                </a:r>
+              </a:p>
+            </p:txBody>
+          </p:sp>
+        </p:grpSp>
+      </p:grpSp>
+      <p:grpSp>
+        <p:nvGrpSpPr>
+          <p:cNvPr id="66" name="Group 65">
+            <a:extLst>
+              <a:ext uri="{FF2B5EF4-FFF2-40B4-BE49-F238E27FC236}">
+                <a16:creationId xmlns:a16="http://schemas.microsoft.com/office/drawing/2014/main" id="{EC267D9A-9139-EB67-583A-BF0167C9DF3F}"/>
+              </a:ext>
+            </a:extLst>
+          </p:cNvPr>
+          <p:cNvGrpSpPr/>
+          <p:nvPr/>
+        </p:nvGrpSpPr>
+        <p:grpSpPr>
+          <a:xfrm>
+            <a:off x="4059320" y="880603"/>
+            <a:ext cx="1899876" cy="5096794"/>
+            <a:chOff x="8615748" y="880603"/>
+            <a:chExt cx="1899876" cy="5096794"/>
+          </a:xfrm>
+        </p:grpSpPr>
+        <p:grpSp>
+          <p:nvGrpSpPr>
+            <p:cNvPr id="56" name="Group 55">
+              <a:extLst>
+                <a:ext uri="{FF2B5EF4-FFF2-40B4-BE49-F238E27FC236}">
+                  <a16:creationId xmlns:a16="http://schemas.microsoft.com/office/drawing/2014/main" id="{474407F6-4190-A829-9E03-F10A0853EBFD}"/>
+                </a:ext>
+              </a:extLst>
+            </p:cNvPr>
+            <p:cNvGrpSpPr/>
+            <p:nvPr/>
+          </p:nvGrpSpPr>
+          <p:grpSpPr>
+            <a:xfrm>
+              <a:off x="8615748" y="880603"/>
+              <a:ext cx="1899876" cy="5096794"/>
+              <a:chOff x="8627220" y="893050"/>
+              <a:chExt cx="1899876" cy="5096794"/>
+            </a:xfrm>
+          </p:grpSpPr>
+          <p:sp>
+            <p:nvSpPr>
+              <p:cNvPr id="47" name="Rectangle 46">
+                <a:extLst>
+                  <a:ext uri="{FF2B5EF4-FFF2-40B4-BE49-F238E27FC236}">
+                    <a16:creationId xmlns:a16="http://schemas.microsoft.com/office/drawing/2014/main" id="{A9123B90-F958-2C19-BD0B-8CCE2BA4D702}"/>
+                  </a:ext>
+                </a:extLst>
+              </p:cNvPr>
+              <p:cNvSpPr/>
+              <p:nvPr/>
+            </p:nvSpPr>
+            <p:spPr>
+              <a:xfrm>
+                <a:off x="9201454" y="893050"/>
+                <a:ext cx="737946" cy="5096794"/>
+              </a:xfrm>
+              <a:prstGeom prst="rect">
+                <a:avLst/>
+              </a:prstGeom>
+              <a:solidFill>
+                <a:schemeClr val="tx1"/>
+              </a:solidFill>
+            </p:spPr>
+            <p:style>
+              <a:lnRef idx="2">
+                <a:schemeClr val="accent1">
+                  <a:shade val="50000"/>
+                </a:schemeClr>
+              </a:lnRef>
+              <a:fillRef idx="1">
+                <a:schemeClr val="accent1"/>
+              </a:fillRef>
+              <a:effectRef idx="0">
+                <a:schemeClr val="accent1"/>
+              </a:effectRef>
+              <a:fontRef idx="minor">
+                <a:schemeClr val="lt1"/>
+              </a:fontRef>
+            </p:style>
+            <p:txBody>
+              <a:bodyPr rtlCol="0" anchor="ctr"/>
+              <a:lstStyle/>
+              <a:p>
+                <a:pPr algn="ctr"/>
+                <a:endParaRPr lang="en-SG"/>
+              </a:p>
+            </p:txBody>
+          </p:sp>
+          <p:grpSp>
+            <p:nvGrpSpPr>
+              <p:cNvPr id="48" name="Group 47">
+                <a:extLst>
+                  <a:ext uri="{FF2B5EF4-FFF2-40B4-BE49-F238E27FC236}">
+                    <a16:creationId xmlns:a16="http://schemas.microsoft.com/office/drawing/2014/main" id="{C78C67E8-1B4F-8396-EFA3-98B69009DF48}"/>
+                  </a:ext>
+                </a:extLst>
+              </p:cNvPr>
+              <p:cNvGrpSpPr/>
+              <p:nvPr/>
+            </p:nvGrpSpPr>
+            <p:grpSpPr>
+              <a:xfrm rot="18879308">
+                <a:off x="9080257" y="1909496"/>
+                <a:ext cx="392044" cy="1298117"/>
+                <a:chOff x="2896397" y="1446879"/>
+                <a:chExt cx="392044" cy="1298117"/>
+              </a:xfrm>
+            </p:grpSpPr>
+            <p:sp>
+              <p:nvSpPr>
+                <p:cNvPr id="49" name="Rectangle 48">
+                  <a:extLst>
+                    <a:ext uri="{FF2B5EF4-FFF2-40B4-BE49-F238E27FC236}">
+                      <a16:creationId xmlns:a16="http://schemas.microsoft.com/office/drawing/2014/main" id="{EBB33CB3-5C0E-3A55-5A6C-61A2DFD55EAE}"/>
+                    </a:ext>
+                  </a:extLst>
+                </p:cNvPr>
+                <p:cNvSpPr/>
+                <p:nvPr/>
+              </p:nvSpPr>
+              <p:spPr>
+                <a:xfrm rot="21575079">
+                  <a:off x="2896397" y="1446879"/>
+                  <a:ext cx="392044" cy="1298117"/>
+                </a:xfrm>
+                <a:prstGeom prst="rect">
+                  <a:avLst/>
+                </a:prstGeom>
+                <a:solidFill>
+                  <a:srgbClr val="92D050"/>
+                </a:solidFill>
+              </p:spPr>
+              <p:style>
+                <a:lnRef idx="2">
+                  <a:schemeClr val="accent1">
+                    <a:shade val="50000"/>
+                  </a:schemeClr>
+                </a:lnRef>
+                <a:fillRef idx="1">
+                  <a:schemeClr val="accent1"/>
+                </a:fillRef>
+                <a:effectRef idx="0">
+                  <a:schemeClr val="accent1"/>
+                </a:effectRef>
+                <a:fontRef idx="minor">
+                  <a:schemeClr val="lt1"/>
+                </a:fontRef>
+              </p:style>
+              <p:txBody>
+                <a:bodyPr rtlCol="0" anchor="ctr"/>
+                <a:lstStyle/>
+                <a:p>
+                  <a:pPr algn="ctr"/>
+                  <a:endParaRPr lang="en-SG"/>
+                </a:p>
+              </p:txBody>
+            </p:sp>
+            <p:sp>
+              <p:nvSpPr>
+                <p:cNvPr id="50" name="Oval 49">
+                  <a:extLst>
+                    <a:ext uri="{FF2B5EF4-FFF2-40B4-BE49-F238E27FC236}">
+                      <a16:creationId xmlns:a16="http://schemas.microsoft.com/office/drawing/2014/main" id="{D179A7F0-84CC-55EF-8508-032151301D9F}"/>
+                    </a:ext>
+                  </a:extLst>
+                </p:cNvPr>
+                <p:cNvSpPr/>
+                <p:nvPr/>
+              </p:nvSpPr>
+              <p:spPr>
+                <a:xfrm rot="19632020">
+                  <a:off x="3129421" y="1673828"/>
+                  <a:ext cx="79310" cy="90659"/>
+                </a:xfrm>
+                <a:prstGeom prst="ellipse">
+                  <a:avLst/>
+                </a:prstGeom>
+                <a:solidFill>
+                  <a:srgbClr val="FFC000"/>
+                </a:solidFill>
+              </p:spPr>
+              <p:style>
+                <a:lnRef idx="2">
+                  <a:schemeClr val="accent1">
+                    <a:shade val="50000"/>
+                  </a:schemeClr>
+                </a:lnRef>
+                <a:fillRef idx="1">
+                  <a:schemeClr val="accent1"/>
+                </a:fillRef>
+                <a:effectRef idx="0">
+                  <a:schemeClr val="accent1"/>
+                </a:effectRef>
+                <a:fontRef idx="minor">
+                  <a:schemeClr val="lt1"/>
+                </a:fontRef>
+              </p:style>
+              <p:txBody>
+                <a:bodyPr rtlCol="0" anchor="ctr"/>
+                <a:lstStyle/>
+                <a:p>
+                  <a:pPr algn="ctr"/>
+                  <a:endParaRPr lang="en-SG"/>
+                </a:p>
+              </p:txBody>
+            </p:sp>
+            <p:sp>
+              <p:nvSpPr>
+                <p:cNvPr id="51" name="Oval 50">
+                  <a:extLst>
+                    <a:ext uri="{FF2B5EF4-FFF2-40B4-BE49-F238E27FC236}">
+                      <a16:creationId xmlns:a16="http://schemas.microsoft.com/office/drawing/2014/main" id="{7152C55C-D87C-F8EA-80EB-24A2913A07E2}"/>
+                    </a:ext>
+                  </a:extLst>
+                </p:cNvPr>
+                <p:cNvSpPr/>
+                <p:nvPr/>
+              </p:nvSpPr>
+              <p:spPr>
+                <a:xfrm rot="19632020">
+                  <a:off x="2963276" y="1674834"/>
+                  <a:ext cx="79310" cy="90659"/>
+                </a:xfrm>
+                <a:prstGeom prst="ellipse">
+                  <a:avLst/>
+                </a:prstGeom>
+                <a:solidFill>
+                  <a:srgbClr val="FFC000"/>
+                </a:solidFill>
+              </p:spPr>
+              <p:style>
+                <a:lnRef idx="2">
+                  <a:schemeClr val="accent1">
+                    <a:shade val="50000"/>
+                  </a:schemeClr>
+                </a:lnRef>
+                <a:fillRef idx="1">
+                  <a:schemeClr val="accent1"/>
+                </a:fillRef>
+                <a:effectRef idx="0">
+                  <a:schemeClr val="accent1"/>
+                </a:effectRef>
+                <a:fontRef idx="minor">
+                  <a:schemeClr val="lt1"/>
+                </a:fontRef>
+              </p:style>
+              <p:txBody>
+                <a:bodyPr rtlCol="0" anchor="ctr"/>
+                <a:lstStyle/>
+                <a:p>
+                  <a:pPr algn="ctr"/>
+                  <a:endParaRPr lang="en-SG"/>
+                </a:p>
+              </p:txBody>
+            </p:sp>
+          </p:grpSp>
+          <p:grpSp>
+            <p:nvGrpSpPr>
+              <p:cNvPr id="52" name="Group 51">
+                <a:extLst>
+                  <a:ext uri="{FF2B5EF4-FFF2-40B4-BE49-F238E27FC236}">
+                    <a16:creationId xmlns:a16="http://schemas.microsoft.com/office/drawing/2014/main" id="{531BE727-4F7F-0359-AC57-C49233A51C44}"/>
+                  </a:ext>
+                </a:extLst>
+              </p:cNvPr>
+              <p:cNvGrpSpPr/>
+              <p:nvPr/>
+            </p:nvGrpSpPr>
+            <p:grpSpPr>
+              <a:xfrm rot="16395352">
+                <a:off x="9605696" y="1328705"/>
+                <a:ext cx="544684" cy="1298117"/>
+                <a:chOff x="4618251" y="1333575"/>
+                <a:chExt cx="544684" cy="1298117"/>
+              </a:xfrm>
+            </p:grpSpPr>
+            <p:sp>
+              <p:nvSpPr>
+                <p:cNvPr id="53" name="Rectangle 52">
+                  <a:extLst>
+                    <a:ext uri="{FF2B5EF4-FFF2-40B4-BE49-F238E27FC236}">
+                      <a16:creationId xmlns:a16="http://schemas.microsoft.com/office/drawing/2014/main" id="{3853F1D1-5CD8-0954-E892-5FECD8AE27A2}"/>
+                    </a:ext>
+                  </a:extLst>
+                </p:cNvPr>
+                <p:cNvSpPr/>
+                <p:nvPr/>
+              </p:nvSpPr>
+              <p:spPr>
+                <a:xfrm rot="2493944">
+                  <a:off x="4618251" y="1333575"/>
+                  <a:ext cx="392044" cy="1298117"/>
+                </a:xfrm>
+                <a:prstGeom prst="rect">
+                  <a:avLst/>
+                </a:prstGeom>
+                <a:solidFill>
+                  <a:srgbClr val="92D050"/>
+                </a:solidFill>
+              </p:spPr>
+              <p:style>
+                <a:lnRef idx="2">
+                  <a:schemeClr val="accent1">
+                    <a:shade val="50000"/>
+                  </a:schemeClr>
+                </a:lnRef>
+                <a:fillRef idx="1">
+                  <a:schemeClr val="accent1"/>
+                </a:fillRef>
+                <a:effectRef idx="0">
+                  <a:schemeClr val="accent1"/>
+                </a:effectRef>
+                <a:fontRef idx="minor">
+                  <a:schemeClr val="lt1"/>
+                </a:fontRef>
+              </p:style>
+              <p:txBody>
+                <a:bodyPr rtlCol="0" anchor="ctr"/>
+                <a:lstStyle/>
+                <a:p>
+                  <a:pPr algn="ctr"/>
+                  <a:endParaRPr lang="en-SG"/>
+                </a:p>
+              </p:txBody>
+            </p:sp>
+            <p:sp>
+              <p:nvSpPr>
+                <p:cNvPr id="54" name="Oval 53">
+                  <a:extLst>
+                    <a:ext uri="{FF2B5EF4-FFF2-40B4-BE49-F238E27FC236}">
+                      <a16:creationId xmlns:a16="http://schemas.microsoft.com/office/drawing/2014/main" id="{B428113C-1EA6-1D56-A958-7284B0B49E4C}"/>
+                    </a:ext>
+                  </a:extLst>
+                </p:cNvPr>
+                <p:cNvSpPr/>
+                <p:nvPr/>
+              </p:nvSpPr>
+              <p:spPr>
+                <a:xfrm rot="550885">
+                  <a:off x="5083625" y="1708493"/>
+                  <a:ext cx="79310" cy="90659"/>
+                </a:xfrm>
+                <a:prstGeom prst="ellipse">
+                  <a:avLst/>
+                </a:prstGeom>
+                <a:solidFill>
+                  <a:srgbClr val="FFC000"/>
+                </a:solidFill>
+              </p:spPr>
+              <p:style>
+                <a:lnRef idx="2">
+                  <a:schemeClr val="accent1">
+                    <a:shade val="50000"/>
+                  </a:schemeClr>
+                </a:lnRef>
+                <a:fillRef idx="1">
+                  <a:schemeClr val="accent1"/>
+                </a:fillRef>
+                <a:effectRef idx="0">
+                  <a:schemeClr val="accent1"/>
+                </a:effectRef>
+                <a:fontRef idx="minor">
+                  <a:schemeClr val="lt1"/>
+                </a:fontRef>
+              </p:style>
+              <p:txBody>
+                <a:bodyPr rtlCol="0" anchor="ctr"/>
+                <a:lstStyle/>
+                <a:p>
+                  <a:pPr algn="ctr"/>
+                  <a:endParaRPr lang="en-SG" dirty="0"/>
+                </a:p>
+              </p:txBody>
+            </p:sp>
+            <p:sp>
+              <p:nvSpPr>
+                <p:cNvPr id="55" name="Oval 54">
+                  <a:extLst>
+                    <a:ext uri="{FF2B5EF4-FFF2-40B4-BE49-F238E27FC236}">
+                      <a16:creationId xmlns:a16="http://schemas.microsoft.com/office/drawing/2014/main" id="{351DB520-5D8B-184E-B57B-669D43D2D68B}"/>
+                    </a:ext>
+                  </a:extLst>
+                </p:cNvPr>
+                <p:cNvSpPr/>
+                <p:nvPr/>
+              </p:nvSpPr>
+              <p:spPr>
+                <a:xfrm rot="550885">
+                  <a:off x="4959445" y="1598109"/>
+                  <a:ext cx="79310" cy="90659"/>
+                </a:xfrm>
+                <a:prstGeom prst="ellipse">
+                  <a:avLst/>
+                </a:prstGeom>
+                <a:solidFill>
+                  <a:schemeClr val="tx1"/>
+                </a:solidFill>
+              </p:spPr>
+              <p:style>
+                <a:lnRef idx="2">
+                  <a:schemeClr val="accent1">
+                    <a:shade val="50000"/>
+                  </a:schemeClr>
+                </a:lnRef>
+                <a:fillRef idx="1">
+                  <a:schemeClr val="accent1"/>
+                </a:fillRef>
+                <a:effectRef idx="0">
+                  <a:schemeClr val="accent1"/>
+                </a:effectRef>
+                <a:fontRef idx="minor">
+                  <a:schemeClr val="lt1"/>
+                </a:fontRef>
+              </p:style>
+              <p:txBody>
+                <a:bodyPr rtlCol="0" anchor="ctr"/>
+                <a:lstStyle/>
+                <a:p>
+                  <a:pPr algn="ctr"/>
+                  <a:endParaRPr lang="en-SG"/>
+                </a:p>
+              </p:txBody>
+            </p:sp>
+          </p:grpSp>
+        </p:grpSp>
+        <p:sp>
+          <p:nvSpPr>
+            <p:cNvPr id="64" name="TextBox 63">
+              <a:extLst>
+                <a:ext uri="{FF2B5EF4-FFF2-40B4-BE49-F238E27FC236}">
+                  <a16:creationId xmlns:a16="http://schemas.microsoft.com/office/drawing/2014/main" id="{CFFBD77D-F8D7-904C-0B32-2CA9C4989A88}"/>
+                </a:ext>
+              </a:extLst>
+            </p:cNvPr>
+            <p:cNvSpPr txBox="1"/>
+            <p:nvPr/>
+          </p:nvSpPr>
+          <p:spPr>
+            <a:xfrm>
+              <a:off x="8935397" y="4161862"/>
+              <a:ext cx="1264449" cy="646331"/>
+            </a:xfrm>
+            <a:prstGeom prst="rect">
+              <a:avLst/>
+            </a:prstGeom>
+            <a:solidFill>
+              <a:srgbClr val="FFC000"/>
+            </a:solidFill>
+          </p:spPr>
+          <p:txBody>
+            <a:bodyPr wrap="none" rtlCol="0">
+              <a:spAutoFit/>
+            </a:bodyPr>
+            <a:lstStyle/>
+            <a:p>
+              <a:r>
+                <a:rPr lang="en-US" b="1" dirty="0">
+                  <a:solidFill>
+                    <a:srgbClr val="FF0000"/>
+                  </a:solidFill>
+                </a:rPr>
+                <a:t>ROBOT</a:t>
+              </a:r>
+            </a:p>
+            <a:p>
+              <a:r>
+                <a:rPr lang="en-US" b="1" dirty="0">
+                  <a:solidFill>
+                    <a:srgbClr val="FF0000"/>
+                  </a:solidFill>
+                </a:rPr>
+                <a:t>VEERS LEFT</a:t>
+              </a:r>
+              <a:endParaRPr lang="en-SG" b="1" dirty="0">
+                <a:solidFill>
+                  <a:srgbClr val="FF0000"/>
+                </a:solidFill>
+              </a:endParaRPr>
+            </a:p>
+          </p:txBody>
+        </p:sp>
+        <p:sp>
+          <p:nvSpPr>
+            <p:cNvPr id="65" name="TextBox 64">
+              <a:extLst>
+                <a:ext uri="{FF2B5EF4-FFF2-40B4-BE49-F238E27FC236}">
+                  <a16:creationId xmlns:a16="http://schemas.microsoft.com/office/drawing/2014/main" id="{DDB2726A-749D-DBE5-E88B-7DA8073FDC67}"/>
+                </a:ext>
+              </a:extLst>
+            </p:cNvPr>
+            <p:cNvSpPr txBox="1"/>
+            <p:nvPr/>
+          </p:nvSpPr>
+          <p:spPr>
+            <a:xfrm>
+              <a:off x="8905441" y="4924673"/>
+              <a:ext cx="1434303" cy="646331"/>
+            </a:xfrm>
+            <a:prstGeom prst="rect">
+              <a:avLst/>
+            </a:prstGeom>
+            <a:solidFill>
+              <a:srgbClr val="FFC000"/>
+            </a:solidFill>
+          </p:spPr>
+          <p:txBody>
+            <a:bodyPr wrap="none" rtlCol="0">
+              <a:spAutoFit/>
+            </a:bodyPr>
+            <a:lstStyle/>
+            <a:p>
+              <a:r>
+                <a:rPr lang="en-US" b="1" dirty="0">
+                  <a:solidFill>
+                    <a:srgbClr val="FF0000"/>
+                  </a:solidFill>
+                </a:rPr>
+                <a:t>CORRECTION</a:t>
+              </a:r>
+            </a:p>
+            <a:p>
+              <a:r>
+                <a:rPr lang="en-SG" b="1" dirty="0">
+                  <a:solidFill>
+                    <a:srgbClr val="FF0000"/>
+                  </a:solidFill>
+                </a:rPr>
+                <a:t>MOVE RIGHT</a:t>
+              </a:r>
+            </a:p>
+          </p:txBody>
+        </p:sp>
+      </p:grpSp>
+      <p:grpSp>
+        <p:nvGrpSpPr>
+          <p:cNvPr id="81" name="Group 80">
+            <a:extLst>
+              <a:ext uri="{FF2B5EF4-FFF2-40B4-BE49-F238E27FC236}">
+                <a16:creationId xmlns:a16="http://schemas.microsoft.com/office/drawing/2014/main" id="{E94B88AB-6BED-E7DC-CF37-2D51E67EC2E8}"/>
+              </a:ext>
+            </a:extLst>
+          </p:cNvPr>
+          <p:cNvGrpSpPr/>
+          <p:nvPr/>
+        </p:nvGrpSpPr>
+        <p:grpSpPr>
+          <a:xfrm>
+            <a:off x="8528179" y="755780"/>
+            <a:ext cx="2425960" cy="5221617"/>
+            <a:chOff x="8528179" y="755780"/>
+            <a:chExt cx="2425960" cy="5221617"/>
+          </a:xfrm>
+        </p:grpSpPr>
+        <p:sp>
+          <p:nvSpPr>
+            <p:cNvPr id="71" name="Rectangle 70">
+              <a:extLst>
+                <a:ext uri="{FF2B5EF4-FFF2-40B4-BE49-F238E27FC236}">
+                  <a16:creationId xmlns:a16="http://schemas.microsoft.com/office/drawing/2014/main" id="{1D48BB6F-B282-997E-4554-C222CC671D3E}"/>
+                </a:ext>
+              </a:extLst>
+            </p:cNvPr>
+            <p:cNvSpPr/>
+            <p:nvPr/>
+          </p:nvSpPr>
+          <p:spPr>
+            <a:xfrm>
+              <a:off x="9441741" y="880603"/>
+              <a:ext cx="737946" cy="5096794"/>
+            </a:xfrm>
+            <a:prstGeom prst="rect">
+              <a:avLst/>
+            </a:prstGeom>
+            <a:solidFill>
+              <a:schemeClr val="tx1"/>
+            </a:solidFill>
+          </p:spPr>
+          <p:style>
+            <a:lnRef idx="2">
+              <a:schemeClr val="accent1">
+                <a:shade val="50000"/>
+              </a:schemeClr>
+            </a:lnRef>
+            <a:fillRef idx="1">
+              <a:schemeClr val="accent1"/>
+            </a:fillRef>
+            <a:effectRef idx="0">
+              <a:schemeClr val="accent1"/>
+            </a:effectRef>
+            <a:fontRef idx="minor">
+              <a:schemeClr val="lt1"/>
+            </a:fontRef>
+          </p:style>
+          <p:txBody>
+            <a:bodyPr rtlCol="0" anchor="ctr"/>
+            <a:lstStyle/>
+            <a:p>
+              <a:pPr algn="ctr"/>
+              <a:endParaRPr lang="en-SG"/>
+            </a:p>
+          </p:txBody>
+        </p:sp>
+        <p:sp>
+          <p:nvSpPr>
+            <p:cNvPr id="69" name="TextBox 68">
+              <a:extLst>
+                <a:ext uri="{FF2B5EF4-FFF2-40B4-BE49-F238E27FC236}">
+                  <a16:creationId xmlns:a16="http://schemas.microsoft.com/office/drawing/2014/main" id="{646D8B66-B7AE-E720-E04D-04FEFBA8BF8E}"/>
+                </a:ext>
+              </a:extLst>
+            </p:cNvPr>
+            <p:cNvSpPr txBox="1"/>
+            <p:nvPr/>
+          </p:nvSpPr>
+          <p:spPr>
+            <a:xfrm>
+              <a:off x="9255499" y="4087217"/>
+              <a:ext cx="1105642" cy="646331"/>
+            </a:xfrm>
+            <a:prstGeom prst="rect">
+              <a:avLst/>
+            </a:prstGeom>
+            <a:solidFill>
+              <a:srgbClr val="FFC000"/>
+            </a:solidFill>
+          </p:spPr>
+          <p:txBody>
+            <a:bodyPr wrap="square" rtlCol="0">
+              <a:spAutoFit/>
+            </a:bodyPr>
+            <a:lstStyle/>
+            <a:p>
+              <a:r>
+                <a:rPr lang="en-US" b="1" dirty="0">
+                  <a:solidFill>
+                    <a:srgbClr val="FF0000"/>
+                  </a:solidFill>
+                </a:rPr>
+                <a:t>ROBOT</a:t>
+              </a:r>
+            </a:p>
+            <a:p>
+              <a:r>
+                <a:rPr lang="en-US" b="1" dirty="0">
+                  <a:solidFill>
+                    <a:srgbClr val="FF0000"/>
+                  </a:solidFill>
+                </a:rPr>
+                <a:t>STOPS</a:t>
+              </a:r>
+              <a:endParaRPr lang="en-SG" b="1" dirty="0">
+                <a:solidFill>
+                  <a:srgbClr val="FF0000"/>
+                </a:solidFill>
+              </a:endParaRPr>
+            </a:p>
+          </p:txBody>
+        </p:sp>
+        <p:sp>
+          <p:nvSpPr>
+            <p:cNvPr id="80" name="Rectangle 79">
+              <a:extLst>
+                <a:ext uri="{FF2B5EF4-FFF2-40B4-BE49-F238E27FC236}">
+                  <a16:creationId xmlns:a16="http://schemas.microsoft.com/office/drawing/2014/main" id="{25C78BBA-469D-9AAD-8546-1FE144655952}"/>
+                </a:ext>
+              </a:extLst>
+            </p:cNvPr>
+            <p:cNvSpPr/>
+            <p:nvPr/>
+          </p:nvSpPr>
+          <p:spPr>
+            <a:xfrm>
+              <a:off x="8528179" y="755780"/>
+              <a:ext cx="2425960" cy="689171"/>
+            </a:xfrm>
+            <a:prstGeom prst="rect">
+              <a:avLst/>
+            </a:prstGeom>
+            <a:solidFill>
+              <a:schemeClr val="tx1"/>
+            </a:solidFill>
+          </p:spPr>
+          <p:style>
+            <a:lnRef idx="2">
+              <a:schemeClr val="accent1">
+                <a:shade val="50000"/>
+              </a:schemeClr>
+            </a:lnRef>
+            <a:fillRef idx="1">
+              <a:schemeClr val="accent1"/>
+            </a:fillRef>
+            <a:effectRef idx="0">
+              <a:schemeClr val="accent1"/>
+            </a:effectRef>
+            <a:fontRef idx="minor">
+              <a:schemeClr val="lt1"/>
+            </a:fontRef>
+          </p:style>
+          <p:txBody>
+            <a:bodyPr rtlCol="0" anchor="ctr"/>
+            <a:lstStyle/>
+            <a:p>
+              <a:pPr algn="ctr"/>
+              <a:endParaRPr lang="en-SG"/>
+            </a:p>
+          </p:txBody>
+        </p:sp>
+        <p:grpSp>
+          <p:nvGrpSpPr>
+            <p:cNvPr id="73" name="Group 72">
+              <a:extLst>
+                <a:ext uri="{FF2B5EF4-FFF2-40B4-BE49-F238E27FC236}">
+                  <a16:creationId xmlns:a16="http://schemas.microsoft.com/office/drawing/2014/main" id="{1E588653-DE6F-1DF9-0D90-D24EF3F954A8}"/>
+                </a:ext>
+              </a:extLst>
+            </p:cNvPr>
+            <p:cNvGrpSpPr/>
+            <p:nvPr/>
+          </p:nvGrpSpPr>
+          <p:grpSpPr>
+            <a:xfrm rot="19112669">
+              <a:off x="10336793" y="954626"/>
+              <a:ext cx="544684" cy="1298117"/>
+              <a:chOff x="4618251" y="1333575"/>
+              <a:chExt cx="544684" cy="1298117"/>
+            </a:xfrm>
+          </p:grpSpPr>
+          <p:sp>
+            <p:nvSpPr>
+              <p:cNvPr id="74" name="Rectangle 73">
+                <a:extLst>
+                  <a:ext uri="{FF2B5EF4-FFF2-40B4-BE49-F238E27FC236}">
+                    <a16:creationId xmlns:a16="http://schemas.microsoft.com/office/drawing/2014/main" id="{FD58DF35-8C22-BED3-AF50-A04683EAA5AF}"/>
+                  </a:ext>
+                </a:extLst>
+              </p:cNvPr>
+              <p:cNvSpPr/>
+              <p:nvPr/>
+            </p:nvSpPr>
+            <p:spPr>
+              <a:xfrm rot="2493944">
+                <a:off x="4618251" y="1333575"/>
+                <a:ext cx="392044" cy="1298117"/>
+              </a:xfrm>
+              <a:prstGeom prst="rect">
+                <a:avLst/>
+              </a:prstGeom>
+              <a:solidFill>
+                <a:srgbClr val="92D050"/>
+              </a:solidFill>
+            </p:spPr>
+            <p:style>
+              <a:lnRef idx="2">
+                <a:schemeClr val="accent1">
+                  <a:shade val="50000"/>
+                </a:schemeClr>
+              </a:lnRef>
+              <a:fillRef idx="1">
+                <a:schemeClr val="accent1"/>
+              </a:fillRef>
+              <a:effectRef idx="0">
+                <a:schemeClr val="accent1"/>
+              </a:effectRef>
+              <a:fontRef idx="minor">
+                <a:schemeClr val="lt1"/>
+              </a:fontRef>
+            </p:style>
+            <p:txBody>
+              <a:bodyPr rtlCol="0" anchor="ctr"/>
+              <a:lstStyle/>
+              <a:p>
+                <a:pPr algn="ctr"/>
+                <a:endParaRPr lang="en-SG"/>
+              </a:p>
+            </p:txBody>
+          </p:sp>
+          <p:sp>
+            <p:nvSpPr>
+              <p:cNvPr id="75" name="Oval 74">
+                <a:extLst>
+                  <a:ext uri="{FF2B5EF4-FFF2-40B4-BE49-F238E27FC236}">
+                    <a16:creationId xmlns:a16="http://schemas.microsoft.com/office/drawing/2014/main" id="{56604461-4DCF-B389-CB44-6958FEA7DAE9}"/>
+                  </a:ext>
+                </a:extLst>
+              </p:cNvPr>
+              <p:cNvSpPr/>
+              <p:nvPr/>
+            </p:nvSpPr>
+            <p:spPr>
+              <a:xfrm rot="550885">
+                <a:off x="5083625" y="1708493"/>
+                <a:ext cx="79310" cy="90659"/>
+              </a:xfrm>
+              <a:prstGeom prst="ellipse">
+                <a:avLst/>
+              </a:prstGeom>
+              <a:solidFill>
+                <a:srgbClr val="FFC000"/>
+              </a:solidFill>
+            </p:spPr>
+            <p:style>
+              <a:lnRef idx="2">
+                <a:schemeClr val="accent1">
+                  <a:shade val="50000"/>
+                </a:schemeClr>
+              </a:lnRef>
+              <a:fillRef idx="1">
+                <a:schemeClr val="accent1"/>
+              </a:fillRef>
+              <a:effectRef idx="0">
+                <a:schemeClr val="accent1"/>
+              </a:effectRef>
+              <a:fontRef idx="minor">
+                <a:schemeClr val="lt1"/>
+              </a:fontRef>
+            </p:style>
+            <p:txBody>
+              <a:bodyPr rtlCol="0" anchor="ctr"/>
+              <a:lstStyle/>
+              <a:p>
+                <a:pPr algn="ctr"/>
+                <a:endParaRPr lang="en-SG"/>
+              </a:p>
+            </p:txBody>
+          </p:sp>
+          <p:sp>
+            <p:nvSpPr>
+              <p:cNvPr id="76" name="Oval 75">
+                <a:extLst>
+                  <a:ext uri="{FF2B5EF4-FFF2-40B4-BE49-F238E27FC236}">
+                    <a16:creationId xmlns:a16="http://schemas.microsoft.com/office/drawing/2014/main" id="{CB0219B2-B2B8-6A63-9749-8D01657F77FD}"/>
+                  </a:ext>
+                </a:extLst>
+              </p:cNvPr>
+              <p:cNvSpPr/>
+              <p:nvPr/>
+            </p:nvSpPr>
+            <p:spPr>
+              <a:xfrm rot="550885">
+                <a:off x="4959445" y="1598109"/>
+                <a:ext cx="79310" cy="90659"/>
+              </a:xfrm>
+              <a:prstGeom prst="ellipse">
+                <a:avLst/>
+              </a:prstGeom>
+              <a:solidFill>
+                <a:schemeClr val="tx1"/>
+              </a:solidFill>
+            </p:spPr>
+            <p:style>
+              <a:lnRef idx="2">
+                <a:schemeClr val="accent1">
+                  <a:shade val="50000"/>
+                </a:schemeClr>
+              </a:lnRef>
+              <a:fillRef idx="1">
+                <a:schemeClr val="accent1"/>
+              </a:fillRef>
+              <a:effectRef idx="0">
+                <a:schemeClr val="accent1"/>
+              </a:effectRef>
+              <a:fontRef idx="minor">
+                <a:schemeClr val="lt1"/>
+              </a:fontRef>
+            </p:style>
+            <p:txBody>
+              <a:bodyPr rtlCol="0" anchor="ctr"/>
+              <a:lstStyle/>
+              <a:p>
+                <a:pPr algn="ctr"/>
+                <a:endParaRPr lang="en-SG"/>
+              </a:p>
+            </p:txBody>
+          </p:sp>
+        </p:grpSp>
+        <p:grpSp>
+          <p:nvGrpSpPr>
+            <p:cNvPr id="72" name="Group 71">
+              <a:extLst>
+                <a:ext uri="{FF2B5EF4-FFF2-40B4-BE49-F238E27FC236}">
+                  <a16:creationId xmlns:a16="http://schemas.microsoft.com/office/drawing/2014/main" id="{A9C6EAAE-E6E5-DE8D-5250-D04EBFA50E9C}"/>
+                </a:ext>
+              </a:extLst>
+            </p:cNvPr>
+            <p:cNvGrpSpPr/>
+            <p:nvPr/>
+          </p:nvGrpSpPr>
+          <p:grpSpPr>
+            <a:xfrm>
+              <a:off x="8896325" y="1015953"/>
+              <a:ext cx="392044" cy="1298117"/>
+              <a:chOff x="2896397" y="1446879"/>
+              <a:chExt cx="392044" cy="1298117"/>
+            </a:xfrm>
+          </p:grpSpPr>
+          <p:sp>
+            <p:nvSpPr>
+              <p:cNvPr id="77" name="Rectangle 76">
+                <a:extLst>
+                  <a:ext uri="{FF2B5EF4-FFF2-40B4-BE49-F238E27FC236}">
+                    <a16:creationId xmlns:a16="http://schemas.microsoft.com/office/drawing/2014/main" id="{6CEFB5E4-359C-12C5-1F34-469572F5EB17}"/>
+                  </a:ext>
+                </a:extLst>
+              </p:cNvPr>
+              <p:cNvSpPr/>
+              <p:nvPr/>
+            </p:nvSpPr>
+            <p:spPr>
+              <a:xfrm rot="21575079">
+                <a:off x="2896397" y="1446879"/>
+                <a:ext cx="392044" cy="1298117"/>
+              </a:xfrm>
+              <a:prstGeom prst="rect">
+                <a:avLst/>
+              </a:prstGeom>
+              <a:solidFill>
+                <a:srgbClr val="92D050"/>
+              </a:solidFill>
+            </p:spPr>
+            <p:style>
+              <a:lnRef idx="2">
+                <a:schemeClr val="accent1">
+                  <a:shade val="50000"/>
+                </a:schemeClr>
+              </a:lnRef>
+              <a:fillRef idx="1">
+                <a:schemeClr val="accent1"/>
+              </a:fillRef>
+              <a:effectRef idx="0">
+                <a:schemeClr val="accent1"/>
+              </a:effectRef>
+              <a:fontRef idx="minor">
+                <a:schemeClr val="lt1"/>
+              </a:fontRef>
+            </p:style>
+            <p:txBody>
+              <a:bodyPr rtlCol="0" anchor="ctr"/>
+              <a:lstStyle/>
+              <a:p>
+                <a:pPr algn="ctr"/>
+                <a:endParaRPr lang="en-SG"/>
+              </a:p>
+            </p:txBody>
+          </p:sp>
+          <p:sp>
+            <p:nvSpPr>
+              <p:cNvPr id="78" name="Oval 77">
+                <a:extLst>
+                  <a:ext uri="{FF2B5EF4-FFF2-40B4-BE49-F238E27FC236}">
+                    <a16:creationId xmlns:a16="http://schemas.microsoft.com/office/drawing/2014/main" id="{AE3E5162-E123-D0C0-E479-18105DF65C67}"/>
+                  </a:ext>
+                </a:extLst>
+              </p:cNvPr>
+              <p:cNvSpPr/>
+              <p:nvPr/>
+            </p:nvSpPr>
+            <p:spPr>
+              <a:xfrm rot="19632020">
+                <a:off x="3129421" y="1673828"/>
+                <a:ext cx="79310" cy="90659"/>
+              </a:xfrm>
+              <a:prstGeom prst="ellipse">
+                <a:avLst/>
+              </a:prstGeom>
+              <a:solidFill>
+                <a:srgbClr val="FFC000"/>
+              </a:solidFill>
+            </p:spPr>
+            <p:style>
+              <a:lnRef idx="2">
+                <a:schemeClr val="accent1">
+                  <a:shade val="50000"/>
+                </a:schemeClr>
+              </a:lnRef>
+              <a:fillRef idx="1">
+                <a:schemeClr val="accent1"/>
+              </a:fillRef>
+              <a:effectRef idx="0">
+                <a:schemeClr val="accent1"/>
+              </a:effectRef>
+              <a:fontRef idx="minor">
+                <a:schemeClr val="lt1"/>
+              </a:fontRef>
+            </p:style>
+            <p:txBody>
+              <a:bodyPr rtlCol="0" anchor="ctr"/>
+              <a:lstStyle/>
+              <a:p>
+                <a:pPr algn="ctr"/>
+                <a:endParaRPr lang="en-SG"/>
+              </a:p>
+            </p:txBody>
+          </p:sp>
+          <p:sp>
+            <p:nvSpPr>
+              <p:cNvPr id="79" name="Oval 78">
+                <a:extLst>
+                  <a:ext uri="{FF2B5EF4-FFF2-40B4-BE49-F238E27FC236}">
+                    <a16:creationId xmlns:a16="http://schemas.microsoft.com/office/drawing/2014/main" id="{B0D6D972-445A-0D6B-0430-08EF46A61A5B}"/>
+                  </a:ext>
+                </a:extLst>
+              </p:cNvPr>
+              <p:cNvSpPr/>
+              <p:nvPr/>
+            </p:nvSpPr>
+            <p:spPr>
+              <a:xfrm rot="19632020">
+                <a:off x="2963276" y="1674834"/>
+                <a:ext cx="79310" cy="90659"/>
+              </a:xfrm>
+              <a:prstGeom prst="ellipse">
+                <a:avLst/>
+              </a:prstGeom>
+              <a:solidFill>
+                <a:schemeClr val="tx1"/>
+              </a:solidFill>
+            </p:spPr>
+            <p:style>
+              <a:lnRef idx="2">
+                <a:schemeClr val="accent1">
+                  <a:shade val="50000"/>
+                </a:schemeClr>
+              </a:lnRef>
+              <a:fillRef idx="1">
+                <a:schemeClr val="accent1"/>
+              </a:fillRef>
+              <a:effectRef idx="0">
+                <a:schemeClr val="accent1"/>
+              </a:effectRef>
+              <a:fontRef idx="minor">
+                <a:schemeClr val="lt1"/>
+              </a:fontRef>
+            </p:style>
+            <p:txBody>
+              <a:bodyPr rtlCol="0" anchor="ctr"/>
+              <a:lstStyle/>
+              <a:p>
+                <a:pPr algn="ctr"/>
+                <a:endParaRPr lang="en-SG"/>
+              </a:p>
+            </p:txBody>
+          </p:sp>
+        </p:grpSp>
+      </p:grpSp>
+      <p:pic>
+        <p:nvPicPr>
+          <p:cNvPr id="83" name="Picture 82">
+            <a:extLst>
+              <a:ext uri="{FF2B5EF4-FFF2-40B4-BE49-F238E27FC236}">
+                <a16:creationId xmlns:a16="http://schemas.microsoft.com/office/drawing/2014/main" id="{6EAE2A0E-0BC4-AB0D-D959-9DFE1FEF2268}"/>
+              </a:ext>
+            </a:extLst>
+          </p:cNvPr>
+          <p:cNvPicPr>
+            <a:picLocks noChangeAspect="1"/>
+          </p:cNvPicPr>
+          <p:nvPr/>
+        </p:nvPicPr>
+        <p:blipFill>
+          <a:blip r:embed="rId2"/>
+          <a:stretch>
+            <a:fillRect/>
+          </a:stretch>
+        </p:blipFill>
+        <p:spPr>
+          <a:xfrm>
+            <a:off x="3149495" y="3291042"/>
+            <a:ext cx="5924550" cy="2790825"/>
+          </a:xfrm>
+          <a:prstGeom prst="rect">
+            <a:avLst/>
+          </a:prstGeom>
+        </p:spPr>
+      </p:pic>
+      <p:grpSp>
+        <p:nvGrpSpPr>
+          <p:cNvPr id="88" name="Group 87">
+            <a:extLst>
+              <a:ext uri="{FF2B5EF4-FFF2-40B4-BE49-F238E27FC236}">
+                <a16:creationId xmlns:a16="http://schemas.microsoft.com/office/drawing/2014/main" id="{ACFE2D1D-534F-7E04-9358-A5CDB890C49A}"/>
+              </a:ext>
+            </a:extLst>
+          </p:cNvPr>
+          <p:cNvGrpSpPr/>
+          <p:nvPr/>
+        </p:nvGrpSpPr>
+        <p:grpSpPr>
+          <a:xfrm>
+            <a:off x="1153861" y="1906674"/>
+            <a:ext cx="2077449" cy="533576"/>
+            <a:chOff x="1153861" y="1906674"/>
+            <a:chExt cx="2077449" cy="533576"/>
+          </a:xfrm>
+        </p:grpSpPr>
+        <p:sp>
+          <p:nvSpPr>
+            <p:cNvPr id="84" name="TextBox 83">
+              <a:extLst>
+                <a:ext uri="{FF2B5EF4-FFF2-40B4-BE49-F238E27FC236}">
+                  <a16:creationId xmlns:a16="http://schemas.microsoft.com/office/drawing/2014/main" id="{B95E44A2-7C55-F593-F9CB-6A332435A77D}"/>
+                </a:ext>
+              </a:extLst>
+            </p:cNvPr>
+            <p:cNvSpPr txBox="1"/>
+            <p:nvPr/>
+          </p:nvSpPr>
+          <p:spPr>
+            <a:xfrm>
+              <a:off x="1153861" y="1917030"/>
+              <a:ext cx="367408" cy="523220"/>
+            </a:xfrm>
+            <a:prstGeom prst="rect">
+              <a:avLst/>
+            </a:prstGeom>
+            <a:noFill/>
+          </p:spPr>
+          <p:txBody>
+            <a:bodyPr wrap="none" rtlCol="0">
+              <a:spAutoFit/>
+            </a:bodyPr>
+            <a:lstStyle/>
+            <a:p>
+              <a:r>
+                <a:rPr lang="en-US" sz="2800" b="1" dirty="0">
+                  <a:solidFill>
+                    <a:srgbClr val="FF0000"/>
+                  </a:solidFill>
+                </a:rPr>
+                <a:t>0</a:t>
+              </a:r>
+              <a:endParaRPr lang="en-SG" sz="2800" b="1" dirty="0">
+                <a:solidFill>
+                  <a:srgbClr val="FF0000"/>
+                </a:solidFill>
+              </a:endParaRPr>
+            </a:p>
+          </p:txBody>
+        </p:sp>
+        <p:sp>
+          <p:nvSpPr>
+            <p:cNvPr id="87" name="TextBox 86">
+              <a:extLst>
+                <a:ext uri="{FF2B5EF4-FFF2-40B4-BE49-F238E27FC236}">
+                  <a16:creationId xmlns:a16="http://schemas.microsoft.com/office/drawing/2014/main" id="{2B52B510-67FA-1514-5C34-FD4BE74C404D}"/>
+                </a:ext>
+              </a:extLst>
+            </p:cNvPr>
+            <p:cNvSpPr txBox="1"/>
+            <p:nvPr/>
+          </p:nvSpPr>
+          <p:spPr>
+            <a:xfrm>
+              <a:off x="2863902" y="1906674"/>
+              <a:ext cx="367408" cy="523220"/>
+            </a:xfrm>
+            <a:prstGeom prst="rect">
+              <a:avLst/>
+            </a:prstGeom>
+            <a:noFill/>
+          </p:spPr>
+          <p:txBody>
+            <a:bodyPr wrap="none" rtlCol="0">
+              <a:spAutoFit/>
+            </a:bodyPr>
+            <a:lstStyle/>
+            <a:p>
+              <a:r>
+                <a:rPr lang="en-US" sz="2800" b="1" dirty="0">
+                  <a:solidFill>
+                    <a:srgbClr val="FF0000"/>
+                  </a:solidFill>
+                </a:rPr>
+                <a:t>0</a:t>
+              </a:r>
+              <a:endParaRPr lang="en-SG" sz="2800" b="1" dirty="0">
+                <a:solidFill>
+                  <a:srgbClr val="FF0000"/>
+                </a:solidFill>
+              </a:endParaRPr>
+            </a:p>
+          </p:txBody>
+        </p:sp>
+      </p:grpSp>
+      <p:grpSp>
+        <p:nvGrpSpPr>
+          <p:cNvPr id="91" name="Group 90">
+            <a:extLst>
+              <a:ext uri="{FF2B5EF4-FFF2-40B4-BE49-F238E27FC236}">
+                <a16:creationId xmlns:a16="http://schemas.microsoft.com/office/drawing/2014/main" id="{DF3107E3-E0AA-9DA5-2C31-837ED264086D}"/>
+              </a:ext>
+            </a:extLst>
+          </p:cNvPr>
+          <p:cNvGrpSpPr/>
+          <p:nvPr/>
+        </p:nvGrpSpPr>
+        <p:grpSpPr>
+          <a:xfrm>
+            <a:off x="4530757" y="1847880"/>
+            <a:ext cx="1054946" cy="934902"/>
+            <a:chOff x="4530757" y="1847880"/>
+            <a:chExt cx="1054946" cy="934902"/>
+          </a:xfrm>
+        </p:grpSpPr>
+        <p:sp>
+          <p:nvSpPr>
+            <p:cNvPr id="89" name="TextBox 88">
+              <a:extLst>
+                <a:ext uri="{FF2B5EF4-FFF2-40B4-BE49-F238E27FC236}">
+                  <a16:creationId xmlns:a16="http://schemas.microsoft.com/office/drawing/2014/main" id="{42951163-C9F5-99D6-CBDC-34304F51CDD0}"/>
+                </a:ext>
+              </a:extLst>
+            </p:cNvPr>
+            <p:cNvSpPr txBox="1"/>
+            <p:nvPr/>
+          </p:nvSpPr>
+          <p:spPr>
+            <a:xfrm>
+              <a:off x="5218295" y="1847880"/>
+              <a:ext cx="367408" cy="523220"/>
+            </a:xfrm>
+            <a:prstGeom prst="rect">
+              <a:avLst/>
+            </a:prstGeom>
+            <a:noFill/>
+          </p:spPr>
+          <p:txBody>
+            <a:bodyPr wrap="none" rtlCol="0">
+              <a:spAutoFit/>
+            </a:bodyPr>
+            <a:lstStyle/>
+            <a:p>
+              <a:r>
+                <a:rPr lang="en-US" sz="2800" b="1" dirty="0">
+                  <a:solidFill>
+                    <a:srgbClr val="FF0000"/>
+                  </a:solidFill>
+                </a:rPr>
+                <a:t>1</a:t>
+              </a:r>
+              <a:endParaRPr lang="en-SG" sz="2800" b="1" dirty="0">
+                <a:solidFill>
+                  <a:srgbClr val="FF0000"/>
+                </a:solidFill>
+              </a:endParaRPr>
+            </a:p>
+          </p:txBody>
+        </p:sp>
+        <p:sp>
+          <p:nvSpPr>
+            <p:cNvPr id="90" name="TextBox 89">
+              <a:extLst>
+                <a:ext uri="{FF2B5EF4-FFF2-40B4-BE49-F238E27FC236}">
+                  <a16:creationId xmlns:a16="http://schemas.microsoft.com/office/drawing/2014/main" id="{001ADAE6-6BA5-673D-D365-EBB320FB2BE2}"/>
+                </a:ext>
+              </a:extLst>
+            </p:cNvPr>
+            <p:cNvSpPr txBox="1"/>
+            <p:nvPr/>
+          </p:nvSpPr>
+          <p:spPr>
+            <a:xfrm>
+              <a:off x="4530757" y="2259562"/>
+              <a:ext cx="367408" cy="523220"/>
+            </a:xfrm>
+            <a:prstGeom prst="rect">
+              <a:avLst/>
+            </a:prstGeom>
+            <a:noFill/>
+          </p:spPr>
+          <p:txBody>
+            <a:bodyPr wrap="none" rtlCol="0">
+              <a:spAutoFit/>
+            </a:bodyPr>
+            <a:lstStyle/>
+            <a:p>
+              <a:r>
+                <a:rPr lang="en-US" sz="2800" b="1" dirty="0">
+                  <a:solidFill>
+                    <a:srgbClr val="FF0000"/>
+                  </a:solidFill>
+                </a:rPr>
+                <a:t>0</a:t>
+              </a:r>
+              <a:endParaRPr lang="en-SG" sz="2800" b="1" dirty="0">
+                <a:solidFill>
+                  <a:srgbClr val="FF0000"/>
+                </a:solidFill>
+              </a:endParaRPr>
+            </a:p>
+          </p:txBody>
+        </p:sp>
+      </p:grpSp>
+      <p:grpSp>
+        <p:nvGrpSpPr>
+          <p:cNvPr id="94" name="Group 93">
+            <a:extLst>
+              <a:ext uri="{FF2B5EF4-FFF2-40B4-BE49-F238E27FC236}">
+                <a16:creationId xmlns:a16="http://schemas.microsoft.com/office/drawing/2014/main" id="{ABB051F5-966F-53D1-E13A-96916DD0872F}"/>
+              </a:ext>
+            </a:extLst>
+          </p:cNvPr>
+          <p:cNvGrpSpPr/>
+          <p:nvPr/>
+        </p:nvGrpSpPr>
+        <p:grpSpPr>
+          <a:xfrm>
+            <a:off x="6541427" y="1822436"/>
+            <a:ext cx="1213272" cy="1013251"/>
+            <a:chOff x="6541427" y="1822436"/>
+            <a:chExt cx="1213272" cy="1013251"/>
+          </a:xfrm>
+        </p:grpSpPr>
+        <p:sp>
+          <p:nvSpPr>
+            <p:cNvPr id="92" name="TextBox 91">
+              <a:extLst>
+                <a:ext uri="{FF2B5EF4-FFF2-40B4-BE49-F238E27FC236}">
+                  <a16:creationId xmlns:a16="http://schemas.microsoft.com/office/drawing/2014/main" id="{36ECB6D4-DAAC-84F5-3D5D-232120B602F6}"/>
+                </a:ext>
+              </a:extLst>
+            </p:cNvPr>
+            <p:cNvSpPr txBox="1"/>
+            <p:nvPr/>
+          </p:nvSpPr>
+          <p:spPr>
+            <a:xfrm>
+              <a:off x="6541427" y="1822436"/>
+              <a:ext cx="367408" cy="523220"/>
+            </a:xfrm>
+            <a:prstGeom prst="rect">
+              <a:avLst/>
+            </a:prstGeom>
+            <a:noFill/>
+          </p:spPr>
+          <p:txBody>
+            <a:bodyPr wrap="none" rtlCol="0">
+              <a:spAutoFit/>
+            </a:bodyPr>
+            <a:lstStyle/>
+            <a:p>
+              <a:r>
+                <a:rPr lang="en-US" sz="2800" b="1" dirty="0">
+                  <a:solidFill>
+                    <a:srgbClr val="FF0000"/>
+                  </a:solidFill>
+                </a:rPr>
+                <a:t>1</a:t>
+              </a:r>
+              <a:endParaRPr lang="en-SG" sz="2800" b="1" dirty="0">
+                <a:solidFill>
+                  <a:srgbClr val="FF0000"/>
+                </a:solidFill>
+              </a:endParaRPr>
+            </a:p>
+          </p:txBody>
+        </p:sp>
+        <p:sp>
+          <p:nvSpPr>
+            <p:cNvPr id="93" name="TextBox 92">
+              <a:extLst>
+                <a:ext uri="{FF2B5EF4-FFF2-40B4-BE49-F238E27FC236}">
+                  <a16:creationId xmlns:a16="http://schemas.microsoft.com/office/drawing/2014/main" id="{760E3E33-EF9C-CC28-3245-949D85228D32}"/>
+                </a:ext>
+              </a:extLst>
+            </p:cNvPr>
+            <p:cNvSpPr txBox="1"/>
+            <p:nvPr/>
+          </p:nvSpPr>
+          <p:spPr>
+            <a:xfrm>
+              <a:off x="7387291" y="2312467"/>
+              <a:ext cx="367408" cy="523220"/>
+            </a:xfrm>
+            <a:prstGeom prst="rect">
+              <a:avLst/>
+            </a:prstGeom>
+            <a:noFill/>
+          </p:spPr>
+          <p:txBody>
+            <a:bodyPr wrap="none" rtlCol="0">
+              <a:spAutoFit/>
+            </a:bodyPr>
+            <a:lstStyle/>
+            <a:p>
+              <a:r>
+                <a:rPr lang="en-US" sz="2800" b="1" dirty="0">
+                  <a:solidFill>
+                    <a:srgbClr val="FF0000"/>
+                  </a:solidFill>
+                </a:rPr>
+                <a:t>0</a:t>
+              </a:r>
+              <a:endParaRPr lang="en-SG" sz="2800" b="1" dirty="0">
+                <a:solidFill>
+                  <a:srgbClr val="FF0000"/>
+                </a:solidFill>
+              </a:endParaRPr>
+            </a:p>
+          </p:txBody>
+        </p:sp>
+      </p:grpSp>
+      <p:grpSp>
+        <p:nvGrpSpPr>
+          <p:cNvPr id="96" name="Group 95">
+            <a:extLst>
+              <a:ext uri="{FF2B5EF4-FFF2-40B4-BE49-F238E27FC236}">
+                <a16:creationId xmlns:a16="http://schemas.microsoft.com/office/drawing/2014/main" id="{FC7D03D1-3A90-153E-D60A-EF4ACA26FF3E}"/>
+              </a:ext>
+            </a:extLst>
+          </p:cNvPr>
+          <p:cNvGrpSpPr/>
+          <p:nvPr/>
+        </p:nvGrpSpPr>
+        <p:grpSpPr>
+          <a:xfrm>
+            <a:off x="8901086" y="1654773"/>
+            <a:ext cx="1856929" cy="539969"/>
+            <a:chOff x="8901086" y="1654773"/>
+            <a:chExt cx="1856929" cy="539969"/>
+          </a:xfrm>
+        </p:grpSpPr>
+        <p:sp>
+          <p:nvSpPr>
+            <p:cNvPr id="85" name="TextBox 84">
+              <a:extLst>
+                <a:ext uri="{FF2B5EF4-FFF2-40B4-BE49-F238E27FC236}">
+                  <a16:creationId xmlns:a16="http://schemas.microsoft.com/office/drawing/2014/main" id="{F0005FDA-BEC0-2DF4-B8F2-829A32902801}"/>
+                </a:ext>
+              </a:extLst>
+            </p:cNvPr>
+            <p:cNvSpPr txBox="1"/>
+            <p:nvPr/>
+          </p:nvSpPr>
+          <p:spPr>
+            <a:xfrm>
+              <a:off x="10390607" y="1671522"/>
+              <a:ext cx="367408" cy="523220"/>
+            </a:xfrm>
+            <a:prstGeom prst="rect">
+              <a:avLst/>
+            </a:prstGeom>
+            <a:noFill/>
+          </p:spPr>
+          <p:txBody>
+            <a:bodyPr wrap="none" rtlCol="0">
+              <a:spAutoFit/>
+            </a:bodyPr>
+            <a:lstStyle/>
+            <a:p>
+              <a:r>
+                <a:rPr lang="en-US" sz="2800" b="1" dirty="0">
+                  <a:solidFill>
+                    <a:srgbClr val="FF0000"/>
+                  </a:solidFill>
+                </a:rPr>
+                <a:t>1</a:t>
+              </a:r>
+              <a:endParaRPr lang="en-SG" sz="2800" b="1" dirty="0">
+                <a:solidFill>
+                  <a:srgbClr val="FF0000"/>
+                </a:solidFill>
+              </a:endParaRPr>
+            </a:p>
+          </p:txBody>
+        </p:sp>
+        <p:sp>
+          <p:nvSpPr>
+            <p:cNvPr id="95" name="TextBox 94">
+              <a:extLst>
+                <a:ext uri="{FF2B5EF4-FFF2-40B4-BE49-F238E27FC236}">
+                  <a16:creationId xmlns:a16="http://schemas.microsoft.com/office/drawing/2014/main" id="{BD51819D-8899-2640-9FDE-F58F773A8DFD}"/>
+                </a:ext>
+              </a:extLst>
+            </p:cNvPr>
+            <p:cNvSpPr txBox="1"/>
+            <p:nvPr/>
+          </p:nvSpPr>
+          <p:spPr>
+            <a:xfrm>
+              <a:off x="8901086" y="1654773"/>
+              <a:ext cx="367408" cy="523220"/>
+            </a:xfrm>
+            <a:prstGeom prst="rect">
+              <a:avLst/>
+            </a:prstGeom>
+            <a:noFill/>
+          </p:spPr>
+          <p:txBody>
+            <a:bodyPr wrap="none" rtlCol="0">
+              <a:spAutoFit/>
+            </a:bodyPr>
+            <a:lstStyle/>
+            <a:p>
+              <a:r>
+                <a:rPr lang="en-US" sz="2800" b="1" dirty="0">
+                  <a:solidFill>
+                    <a:srgbClr val="FF0000"/>
+                  </a:solidFill>
+                </a:rPr>
+                <a:t>1</a:t>
+              </a:r>
+              <a:endParaRPr lang="en-SG" sz="2800" b="1" dirty="0">
+                <a:solidFill>
+                  <a:srgbClr val="FF0000"/>
+                </a:solidFill>
+              </a:endParaRPr>
+            </a:p>
+          </p:txBody>
+        </p:sp>
+      </p:grpSp>
+      <p:sp>
+        <p:nvSpPr>
+          <p:cNvPr id="97" name="TextBox 96">
+            <a:extLst>
+              <a:ext uri="{FF2B5EF4-FFF2-40B4-BE49-F238E27FC236}">
+                <a16:creationId xmlns:a16="http://schemas.microsoft.com/office/drawing/2014/main" id="{6B3BB44B-A107-DFE7-9A30-7B2532FAE2BB}"/>
+              </a:ext>
+            </a:extLst>
+          </p:cNvPr>
+          <p:cNvSpPr txBox="1"/>
+          <p:nvPr/>
+        </p:nvSpPr>
+        <p:spPr>
+          <a:xfrm>
+            <a:off x="4016209" y="179525"/>
+            <a:ext cx="4503028" cy="523220"/>
+          </a:xfrm>
+          <a:prstGeom prst="rect">
+            <a:avLst/>
+          </a:prstGeom>
+          <a:noFill/>
+        </p:spPr>
+        <p:txBody>
+          <a:bodyPr wrap="none" rtlCol="0">
+            <a:spAutoFit/>
+          </a:bodyPr>
+          <a:lstStyle/>
+          <a:p>
+            <a:r>
+              <a:rPr lang="en-US" sz="2800" b="1" dirty="0"/>
+              <a:t>HOW THE IR SENSOR WORKS</a:t>
+            </a:r>
+            <a:endParaRPr lang="en-SG" sz="2800" b="1" dirty="0"/>
+          </a:p>
+        </p:txBody>
+      </p:sp>
+    </p:spTree>
+    <p:extLst>
+      <p:ext uri="{BB962C8B-B14F-4D97-AF65-F5344CB8AC3E}">
+        <p14:creationId xmlns:p14="http://schemas.microsoft.com/office/powerpoint/2010/main" val="3583632587"/>
+      </p:ext>
+    </p:extLst>
+  </p:cSld>
+  <p:clrMapOvr>
+    <a:masterClrMapping/>
+  </p:clrMapOvr>
+  <p:timing>
+    <p:tnLst>
+      <p:par>
+        <p:cTn id="1" dur="indefinite" restart="never" nodeType="tmRoot">
+          <p:childTnLst>
+            <p:seq concurrent="1" nextAc="seek">
+              <p:cTn id="2" dur="indefinite" nodeType="mainSeq">
+                <p:childTnLst>
+                  <p:par>
+                    <p:cTn id="3" fill="hold">
+                      <p:stCondLst>
+                        <p:cond delay="indefinite"/>
+                      </p:stCondLst>
+                      <p:childTnLst>
+                        <p:par>
+                          <p:cTn id="4" fill="hold">
+                            <p:stCondLst>
+                              <p:cond delay="0"/>
+                            </p:stCondLst>
+                            <p:childTnLst>
+                              <p:par>
+                                <p:cTn id="5" presetID="2" presetClass="entr" presetSubtype="4" fill="hold" nodeType="clickEffect">
+                                  <p:stCondLst>
+                                    <p:cond delay="0"/>
+                                  </p:stCondLst>
+                                  <p:childTnLst>
+                                    <p:set>
+                                      <p:cBhvr>
+                                        <p:cTn id="6" dur="1" fill="hold">
+                                          <p:stCondLst>
+                                            <p:cond delay="0"/>
+                                          </p:stCondLst>
+                                        </p:cTn>
+                                        <p:tgtEl>
+                                          <p:spTgt spid="66"/>
+                                        </p:tgtEl>
+                                        <p:attrNameLst>
+                                          <p:attrName>style.visibility</p:attrName>
+                                        </p:attrNameLst>
+                                      </p:cBhvr>
+                                      <p:to>
+                                        <p:strVal val="visible"/>
+                                      </p:to>
+                                    </p:set>
+                                    <p:anim calcmode="lin" valueType="num">
+                                      <p:cBhvr additive="base">
+                                        <p:cTn id="7" dur="500" fill="hold"/>
+                                        <p:tgtEl>
+                                          <p:spTgt spid="66"/>
+                                        </p:tgtEl>
+                                        <p:attrNameLst>
+                                          <p:attrName>ppt_x</p:attrName>
+                                        </p:attrNameLst>
+                                      </p:cBhvr>
+                                      <p:tavLst>
+                                        <p:tav tm="0">
+                                          <p:val>
+                                            <p:strVal val="#ppt_x"/>
+                                          </p:val>
+                                        </p:tav>
+                                        <p:tav tm="100000">
+                                          <p:val>
+                                            <p:strVal val="#ppt_x"/>
+                                          </p:val>
+                                        </p:tav>
+                                      </p:tavLst>
+                                    </p:anim>
+                                    <p:anim calcmode="lin" valueType="num">
+                                      <p:cBhvr additive="base">
+                                        <p:cTn id="8" dur="500" fill="hold"/>
+                                        <p:tgtEl>
+                                          <p:spTgt spid="66"/>
+                                        </p:tgtEl>
+                                        <p:attrNameLst>
+                                          <p:attrName>ppt_y</p:attrName>
+                                        </p:attrNameLst>
+                                      </p:cBhvr>
+                                      <p:tavLst>
+                                        <p:tav tm="0">
+                                          <p:val>
+                                            <p:strVal val="1+#ppt_h/2"/>
+                                          </p:val>
+                                        </p:tav>
+                                        <p:tav tm="100000">
+                                          <p:val>
+                                            <p:strVal val="#ppt_y"/>
+                                          </p:val>
+                                        </p:tav>
+                                      </p:tavLst>
+                                    </p:anim>
+                                  </p:childTnLst>
+                                </p:cTn>
+                              </p:par>
+                            </p:childTnLst>
+                          </p:cTn>
+                        </p:par>
+                      </p:childTnLst>
+                    </p:cTn>
+                  </p:par>
+                  <p:par>
+                    <p:cTn id="9" fill="hold">
+                      <p:stCondLst>
+                        <p:cond delay="indefinite"/>
+                      </p:stCondLst>
+                      <p:childTnLst>
+                        <p:par>
+                          <p:cTn id="10" fill="hold">
+                            <p:stCondLst>
+                              <p:cond delay="0"/>
+                            </p:stCondLst>
+                            <p:childTnLst>
+                              <p:par>
+                                <p:cTn id="11" presetID="2" presetClass="entr" presetSubtype="4" fill="hold" nodeType="clickEffect">
+                                  <p:stCondLst>
+                                    <p:cond delay="0"/>
+                                  </p:stCondLst>
+                                  <p:childTnLst>
+                                    <p:set>
+                                      <p:cBhvr>
+                                        <p:cTn id="12" dur="1" fill="hold">
+                                          <p:stCondLst>
+                                            <p:cond delay="0"/>
+                                          </p:stCondLst>
+                                        </p:cTn>
+                                        <p:tgtEl>
+                                          <p:spTgt spid="63"/>
+                                        </p:tgtEl>
+                                        <p:attrNameLst>
+                                          <p:attrName>style.visibility</p:attrName>
+                                        </p:attrNameLst>
+                                      </p:cBhvr>
+                                      <p:to>
+                                        <p:strVal val="visible"/>
+                                      </p:to>
+                                    </p:set>
+                                    <p:anim calcmode="lin" valueType="num">
+                                      <p:cBhvr additive="base">
+                                        <p:cTn id="13" dur="500" fill="hold"/>
+                                        <p:tgtEl>
+                                          <p:spTgt spid="63"/>
+                                        </p:tgtEl>
+                                        <p:attrNameLst>
+                                          <p:attrName>ppt_x</p:attrName>
+                                        </p:attrNameLst>
+                                      </p:cBhvr>
+                                      <p:tavLst>
+                                        <p:tav tm="0">
+                                          <p:val>
+                                            <p:strVal val="#ppt_x"/>
+                                          </p:val>
+                                        </p:tav>
+                                        <p:tav tm="100000">
+                                          <p:val>
+                                            <p:strVal val="#ppt_x"/>
+                                          </p:val>
+                                        </p:tav>
+                                      </p:tavLst>
+                                    </p:anim>
+                                    <p:anim calcmode="lin" valueType="num">
+                                      <p:cBhvr additive="base">
+                                        <p:cTn id="14" dur="500" fill="hold"/>
+                                        <p:tgtEl>
+                                          <p:spTgt spid="63"/>
+                                        </p:tgtEl>
+                                        <p:attrNameLst>
+                                          <p:attrName>ppt_y</p:attrName>
+                                        </p:attrNameLst>
+                                      </p:cBhvr>
+                                      <p:tavLst>
+                                        <p:tav tm="0">
+                                          <p:val>
+                                            <p:strVal val="1+#ppt_h/2"/>
+                                          </p:val>
+                                        </p:tav>
+                                        <p:tav tm="100000">
+                                          <p:val>
+                                            <p:strVal val="#ppt_y"/>
+                                          </p:val>
+                                        </p:tav>
+                                      </p:tavLst>
+                                    </p:anim>
+                                  </p:childTnLst>
+                                </p:cTn>
+                              </p:par>
+                            </p:childTnLst>
+                          </p:cTn>
+                        </p:par>
+                      </p:childTnLst>
+                    </p:cTn>
+                  </p:par>
+                  <p:par>
+                    <p:cTn id="15" fill="hold">
+                      <p:stCondLst>
+                        <p:cond delay="indefinite"/>
+                      </p:stCondLst>
+                      <p:childTnLst>
+                        <p:par>
+                          <p:cTn id="16" fill="hold">
+                            <p:stCondLst>
+                              <p:cond delay="0"/>
+                            </p:stCondLst>
+                            <p:childTnLst>
+                              <p:par>
+                                <p:cTn id="17" presetID="2" presetClass="entr" presetSubtype="4" fill="hold" nodeType="clickEffect">
+                                  <p:stCondLst>
+                                    <p:cond delay="0"/>
+                                  </p:stCondLst>
+                                  <p:childTnLst>
+                                    <p:set>
+                                      <p:cBhvr>
+                                        <p:cTn id="18" dur="1" fill="hold">
+                                          <p:stCondLst>
+                                            <p:cond delay="0"/>
+                                          </p:stCondLst>
+                                        </p:cTn>
+                                        <p:tgtEl>
+                                          <p:spTgt spid="81"/>
+                                        </p:tgtEl>
+                                        <p:attrNameLst>
+                                          <p:attrName>style.visibility</p:attrName>
+                                        </p:attrNameLst>
+                                      </p:cBhvr>
+                                      <p:to>
+                                        <p:strVal val="visible"/>
+                                      </p:to>
+                                    </p:set>
+                                    <p:anim calcmode="lin" valueType="num">
+                                      <p:cBhvr additive="base">
+                                        <p:cTn id="19" dur="500" fill="hold"/>
+                                        <p:tgtEl>
+                                          <p:spTgt spid="81"/>
+                                        </p:tgtEl>
+                                        <p:attrNameLst>
+                                          <p:attrName>ppt_x</p:attrName>
+                                        </p:attrNameLst>
+                                      </p:cBhvr>
+                                      <p:tavLst>
+                                        <p:tav tm="0">
+                                          <p:val>
+                                            <p:strVal val="#ppt_x"/>
+                                          </p:val>
+                                        </p:tav>
+                                        <p:tav tm="100000">
+                                          <p:val>
+                                            <p:strVal val="#ppt_x"/>
+                                          </p:val>
+                                        </p:tav>
+                                      </p:tavLst>
+                                    </p:anim>
+                                    <p:anim calcmode="lin" valueType="num">
+                                      <p:cBhvr additive="base">
+                                        <p:cTn id="20" dur="500" fill="hold"/>
+                                        <p:tgtEl>
+                                          <p:spTgt spid="81"/>
+                                        </p:tgtEl>
+                                        <p:attrNameLst>
+                                          <p:attrName>ppt_y</p:attrName>
+                                        </p:attrNameLst>
+                                      </p:cBhvr>
+                                      <p:tavLst>
+                                        <p:tav tm="0">
+                                          <p:val>
+                                            <p:strVal val="1+#ppt_h/2"/>
+                                          </p:val>
+                                        </p:tav>
+                                        <p:tav tm="100000">
+                                          <p:val>
+                                            <p:strVal val="#ppt_y"/>
+                                          </p:val>
+                                        </p:tav>
+                                      </p:tavLst>
+                                    </p:anim>
+                                  </p:childTnLst>
+                                </p:cTn>
+                              </p:par>
+                            </p:childTnLst>
+                          </p:cTn>
+                        </p:par>
+                      </p:childTnLst>
+                    </p:cTn>
+                  </p:par>
+                  <p:par>
+                    <p:cTn id="21" fill="hold">
+                      <p:stCondLst>
+                        <p:cond delay="indefinite"/>
+                      </p:stCondLst>
+                      <p:childTnLst>
+                        <p:par>
+                          <p:cTn id="22" fill="hold">
+                            <p:stCondLst>
+                              <p:cond delay="0"/>
+                            </p:stCondLst>
+                            <p:childTnLst>
+                              <p:par>
+                                <p:cTn id="23" presetID="2" presetClass="entr" presetSubtype="4" fill="hold" nodeType="clickEffect">
+                                  <p:stCondLst>
+                                    <p:cond delay="0"/>
+                                  </p:stCondLst>
+                                  <p:childTnLst>
+                                    <p:set>
+                                      <p:cBhvr>
+                                        <p:cTn id="24" dur="1" fill="hold">
+                                          <p:stCondLst>
+                                            <p:cond delay="0"/>
+                                          </p:stCondLst>
+                                        </p:cTn>
+                                        <p:tgtEl>
+                                          <p:spTgt spid="83"/>
+                                        </p:tgtEl>
+                                        <p:attrNameLst>
+                                          <p:attrName>style.visibility</p:attrName>
+                                        </p:attrNameLst>
+                                      </p:cBhvr>
+                                      <p:to>
+                                        <p:strVal val="visible"/>
+                                      </p:to>
+                                    </p:set>
+                                    <p:anim calcmode="lin" valueType="num">
+                                      <p:cBhvr additive="base">
+                                        <p:cTn id="25" dur="500" fill="hold"/>
+                                        <p:tgtEl>
+                                          <p:spTgt spid="83"/>
+                                        </p:tgtEl>
+                                        <p:attrNameLst>
+                                          <p:attrName>ppt_x</p:attrName>
+                                        </p:attrNameLst>
+                                      </p:cBhvr>
+                                      <p:tavLst>
+                                        <p:tav tm="0">
+                                          <p:val>
+                                            <p:strVal val="#ppt_x"/>
+                                          </p:val>
+                                        </p:tav>
+                                        <p:tav tm="100000">
+                                          <p:val>
+                                            <p:strVal val="#ppt_x"/>
+                                          </p:val>
+                                        </p:tav>
+                                      </p:tavLst>
+                                    </p:anim>
+                                    <p:anim calcmode="lin" valueType="num">
+                                      <p:cBhvr additive="base">
+                                        <p:cTn id="26" dur="500" fill="hold"/>
+                                        <p:tgtEl>
+                                          <p:spTgt spid="83"/>
+                                        </p:tgtEl>
+                                        <p:attrNameLst>
+                                          <p:attrName>ppt_y</p:attrName>
+                                        </p:attrNameLst>
+                                      </p:cBhvr>
+                                      <p:tavLst>
+                                        <p:tav tm="0">
+                                          <p:val>
+                                            <p:strVal val="1+#ppt_h/2"/>
+                                          </p:val>
+                                        </p:tav>
+                                        <p:tav tm="100000">
+                                          <p:val>
+                                            <p:strVal val="#ppt_y"/>
+                                          </p:val>
+                                        </p:tav>
+                                      </p:tavLst>
+                                    </p:anim>
+                                  </p:childTnLst>
+                                </p:cTn>
+                              </p:par>
+                            </p:childTnLst>
+                          </p:cTn>
+                        </p:par>
+                      </p:childTnLst>
+                    </p:cTn>
+                  </p:par>
+                  <p:par>
+                    <p:cTn id="27" fill="hold">
+                      <p:stCondLst>
+                        <p:cond delay="indefinite"/>
+                      </p:stCondLst>
+                      <p:childTnLst>
+                        <p:par>
+                          <p:cTn id="28" fill="hold">
+                            <p:stCondLst>
+                              <p:cond delay="0"/>
+                            </p:stCondLst>
+                            <p:childTnLst>
+                              <p:par>
+                                <p:cTn id="29" presetID="2" presetClass="entr" presetSubtype="4" fill="hold" nodeType="clickEffect">
+                                  <p:stCondLst>
+                                    <p:cond delay="0"/>
+                                  </p:stCondLst>
+                                  <p:childTnLst>
+                                    <p:set>
+                                      <p:cBhvr>
+                                        <p:cTn id="30" dur="1" fill="hold">
+                                          <p:stCondLst>
+                                            <p:cond delay="0"/>
+                                          </p:stCondLst>
+                                        </p:cTn>
+                                        <p:tgtEl>
+                                          <p:spTgt spid="88"/>
+                                        </p:tgtEl>
+                                        <p:attrNameLst>
+                                          <p:attrName>style.visibility</p:attrName>
+                                        </p:attrNameLst>
+                                      </p:cBhvr>
+                                      <p:to>
+                                        <p:strVal val="visible"/>
+                                      </p:to>
+                                    </p:set>
+                                    <p:anim calcmode="lin" valueType="num">
+                                      <p:cBhvr additive="base">
+                                        <p:cTn id="31" dur="500" fill="hold"/>
+                                        <p:tgtEl>
+                                          <p:spTgt spid="88"/>
+                                        </p:tgtEl>
+                                        <p:attrNameLst>
+                                          <p:attrName>ppt_x</p:attrName>
+                                        </p:attrNameLst>
+                                      </p:cBhvr>
+                                      <p:tavLst>
+                                        <p:tav tm="0">
+                                          <p:val>
+                                            <p:strVal val="#ppt_x"/>
+                                          </p:val>
+                                        </p:tav>
+                                        <p:tav tm="100000">
+                                          <p:val>
+                                            <p:strVal val="#ppt_x"/>
+                                          </p:val>
+                                        </p:tav>
+                                      </p:tavLst>
+                                    </p:anim>
+                                    <p:anim calcmode="lin" valueType="num">
+                                      <p:cBhvr additive="base">
+                                        <p:cTn id="32" dur="500" fill="hold"/>
+                                        <p:tgtEl>
+                                          <p:spTgt spid="88"/>
+                                        </p:tgtEl>
+                                        <p:attrNameLst>
+                                          <p:attrName>ppt_y</p:attrName>
+                                        </p:attrNameLst>
+                                      </p:cBhvr>
+                                      <p:tavLst>
+                                        <p:tav tm="0">
+                                          <p:val>
+                                            <p:strVal val="1+#ppt_h/2"/>
+                                          </p:val>
+                                        </p:tav>
+                                        <p:tav tm="100000">
+                                          <p:val>
+                                            <p:strVal val="#ppt_y"/>
+                                          </p:val>
+                                        </p:tav>
+                                      </p:tavLst>
+                                    </p:anim>
+                                  </p:childTnLst>
+                                </p:cTn>
+                              </p:par>
+                            </p:childTnLst>
+                          </p:cTn>
+                        </p:par>
+                      </p:childTnLst>
+                    </p:cTn>
+                  </p:par>
+                  <p:par>
+                    <p:cTn id="33" fill="hold">
+                      <p:stCondLst>
+                        <p:cond delay="indefinite"/>
+                      </p:stCondLst>
+                      <p:childTnLst>
+                        <p:par>
+                          <p:cTn id="34" fill="hold">
+                            <p:stCondLst>
+                              <p:cond delay="0"/>
+                            </p:stCondLst>
+                            <p:childTnLst>
+                              <p:par>
+                                <p:cTn id="35" presetID="2" presetClass="entr" presetSubtype="4" fill="hold" nodeType="clickEffect">
+                                  <p:stCondLst>
+                                    <p:cond delay="0"/>
+                                  </p:stCondLst>
+                                  <p:childTnLst>
+                                    <p:set>
+                                      <p:cBhvr>
+                                        <p:cTn id="36" dur="1" fill="hold">
+                                          <p:stCondLst>
+                                            <p:cond delay="0"/>
+                                          </p:stCondLst>
+                                        </p:cTn>
+                                        <p:tgtEl>
+                                          <p:spTgt spid="91"/>
+                                        </p:tgtEl>
+                                        <p:attrNameLst>
+                                          <p:attrName>style.visibility</p:attrName>
+                                        </p:attrNameLst>
+                                      </p:cBhvr>
+                                      <p:to>
+                                        <p:strVal val="visible"/>
+                                      </p:to>
+                                    </p:set>
+                                    <p:anim calcmode="lin" valueType="num">
+                                      <p:cBhvr additive="base">
+                                        <p:cTn id="37" dur="500" fill="hold"/>
+                                        <p:tgtEl>
+                                          <p:spTgt spid="91"/>
+                                        </p:tgtEl>
+                                        <p:attrNameLst>
+                                          <p:attrName>ppt_x</p:attrName>
+                                        </p:attrNameLst>
+                                      </p:cBhvr>
+                                      <p:tavLst>
+                                        <p:tav tm="0">
+                                          <p:val>
+                                            <p:strVal val="#ppt_x"/>
+                                          </p:val>
+                                        </p:tav>
+                                        <p:tav tm="100000">
+                                          <p:val>
+                                            <p:strVal val="#ppt_x"/>
+                                          </p:val>
+                                        </p:tav>
+                                      </p:tavLst>
+                                    </p:anim>
+                                    <p:anim calcmode="lin" valueType="num">
+                                      <p:cBhvr additive="base">
+                                        <p:cTn id="38" dur="500" fill="hold"/>
+                                        <p:tgtEl>
+                                          <p:spTgt spid="91"/>
+                                        </p:tgtEl>
+                                        <p:attrNameLst>
+                                          <p:attrName>ppt_y</p:attrName>
+                                        </p:attrNameLst>
+                                      </p:cBhvr>
+                                      <p:tavLst>
+                                        <p:tav tm="0">
+                                          <p:val>
+                                            <p:strVal val="1+#ppt_h/2"/>
+                                          </p:val>
+                                        </p:tav>
+                                        <p:tav tm="100000">
+                                          <p:val>
+                                            <p:strVal val="#ppt_y"/>
+                                          </p:val>
+                                        </p:tav>
+                                      </p:tavLst>
+                                    </p:anim>
+                                  </p:childTnLst>
+                                </p:cTn>
+                              </p:par>
+                            </p:childTnLst>
+                          </p:cTn>
+                        </p:par>
+                      </p:childTnLst>
+                    </p:cTn>
+                  </p:par>
+                  <p:par>
+                    <p:cTn id="39" fill="hold">
+                      <p:stCondLst>
+                        <p:cond delay="indefinite"/>
+                      </p:stCondLst>
+                      <p:childTnLst>
+                        <p:par>
+                          <p:cTn id="40" fill="hold">
+                            <p:stCondLst>
+                              <p:cond delay="0"/>
+                            </p:stCondLst>
+                            <p:childTnLst>
+                              <p:par>
+                                <p:cTn id="41" presetID="2" presetClass="entr" presetSubtype="4" fill="hold" nodeType="clickEffect">
+                                  <p:stCondLst>
+                                    <p:cond delay="0"/>
+                                  </p:stCondLst>
+                                  <p:childTnLst>
+                                    <p:set>
+                                      <p:cBhvr>
+                                        <p:cTn id="42" dur="1" fill="hold">
+                                          <p:stCondLst>
+                                            <p:cond delay="0"/>
+                                          </p:stCondLst>
+                                        </p:cTn>
+                                        <p:tgtEl>
+                                          <p:spTgt spid="94"/>
+                                        </p:tgtEl>
+                                        <p:attrNameLst>
+                                          <p:attrName>style.visibility</p:attrName>
+                                        </p:attrNameLst>
+                                      </p:cBhvr>
+                                      <p:to>
+                                        <p:strVal val="visible"/>
+                                      </p:to>
+                                    </p:set>
+                                    <p:anim calcmode="lin" valueType="num">
+                                      <p:cBhvr additive="base">
+                                        <p:cTn id="43" dur="500" fill="hold"/>
+                                        <p:tgtEl>
+                                          <p:spTgt spid="94"/>
+                                        </p:tgtEl>
+                                        <p:attrNameLst>
+                                          <p:attrName>ppt_x</p:attrName>
+                                        </p:attrNameLst>
+                                      </p:cBhvr>
+                                      <p:tavLst>
+                                        <p:tav tm="0">
+                                          <p:val>
+                                            <p:strVal val="#ppt_x"/>
+                                          </p:val>
+                                        </p:tav>
+                                        <p:tav tm="100000">
+                                          <p:val>
+                                            <p:strVal val="#ppt_x"/>
+                                          </p:val>
+                                        </p:tav>
+                                      </p:tavLst>
+                                    </p:anim>
+                                    <p:anim calcmode="lin" valueType="num">
+                                      <p:cBhvr additive="base">
+                                        <p:cTn id="44" dur="500" fill="hold"/>
+                                        <p:tgtEl>
+                                          <p:spTgt spid="94"/>
+                                        </p:tgtEl>
+                                        <p:attrNameLst>
+                                          <p:attrName>ppt_y</p:attrName>
+                                        </p:attrNameLst>
+                                      </p:cBhvr>
+                                      <p:tavLst>
+                                        <p:tav tm="0">
+                                          <p:val>
+                                            <p:strVal val="1+#ppt_h/2"/>
+                                          </p:val>
+                                        </p:tav>
+                                        <p:tav tm="100000">
+                                          <p:val>
+                                            <p:strVal val="#ppt_y"/>
+                                          </p:val>
+                                        </p:tav>
+                                      </p:tavLst>
+                                    </p:anim>
+                                  </p:childTnLst>
+                                </p:cTn>
+                              </p:par>
+                            </p:childTnLst>
+                          </p:cTn>
+                        </p:par>
+                      </p:childTnLst>
+                    </p:cTn>
+                  </p:par>
+                  <p:par>
+                    <p:cTn id="45" fill="hold">
+                      <p:stCondLst>
+                        <p:cond delay="indefinite"/>
+                      </p:stCondLst>
+                      <p:childTnLst>
+                        <p:par>
+                          <p:cTn id="46" fill="hold">
+                            <p:stCondLst>
+                              <p:cond delay="0"/>
+                            </p:stCondLst>
+                            <p:childTnLst>
+                              <p:par>
+                                <p:cTn id="47" presetID="2" presetClass="entr" presetSubtype="4" fill="hold" nodeType="clickEffect">
+                                  <p:stCondLst>
+                                    <p:cond delay="0"/>
+                                  </p:stCondLst>
+                                  <p:childTnLst>
+                                    <p:set>
+                                      <p:cBhvr>
+                                        <p:cTn id="48" dur="1" fill="hold">
+                                          <p:stCondLst>
+                                            <p:cond delay="0"/>
+                                          </p:stCondLst>
+                                        </p:cTn>
+                                        <p:tgtEl>
+                                          <p:spTgt spid="96"/>
+                                        </p:tgtEl>
+                                        <p:attrNameLst>
+                                          <p:attrName>style.visibility</p:attrName>
+                                        </p:attrNameLst>
+                                      </p:cBhvr>
+                                      <p:to>
+                                        <p:strVal val="visible"/>
+                                      </p:to>
+                                    </p:set>
+                                    <p:anim calcmode="lin" valueType="num">
+                                      <p:cBhvr additive="base">
+                                        <p:cTn id="49" dur="500" fill="hold"/>
+                                        <p:tgtEl>
+                                          <p:spTgt spid="96"/>
+                                        </p:tgtEl>
+                                        <p:attrNameLst>
+                                          <p:attrName>ppt_x</p:attrName>
+                                        </p:attrNameLst>
+                                      </p:cBhvr>
+                                      <p:tavLst>
+                                        <p:tav tm="0">
+                                          <p:val>
+                                            <p:strVal val="#ppt_x"/>
+                                          </p:val>
+                                        </p:tav>
+                                        <p:tav tm="100000">
+                                          <p:val>
+                                            <p:strVal val="#ppt_x"/>
+                                          </p:val>
+                                        </p:tav>
+                                      </p:tavLst>
+                                    </p:anim>
+                                    <p:anim calcmode="lin" valueType="num">
+                                      <p:cBhvr additive="base">
+                                        <p:cTn id="50" dur="500" fill="hold"/>
+                                        <p:tgtEl>
+                                          <p:spTgt spid="96"/>
+                                        </p:tgtEl>
+                                        <p:attrNameLst>
+                                          <p:attrName>ppt_y</p:attrName>
+                                        </p:attrNameLst>
+                                      </p:cBhvr>
+                                      <p:tavLst>
+                                        <p:tav tm="0">
+                                          <p:val>
+                                            <p:strVal val="1+#ppt_h/2"/>
+                                          </p:val>
+                                        </p:tav>
+                                        <p:tav tm="100000">
+                                          <p:val>
+                                            <p:strVal val="#ppt_y"/>
+                                          </p:val>
+                                        </p:tav>
+                                      </p:tavLst>
+                                    </p:anim>
+                                  </p:childTnLst>
+                                </p:cTn>
+                              </p:par>
+                            </p:childTnLst>
+                          </p:cTn>
+                        </p:par>
+                      </p:childTnLst>
+                    </p:cTn>
+                  </p:par>
+                </p:childTnLst>
+              </p:cTn>
+              <p:prevCondLst>
+                <p:cond evt="onPrev" delay="0">
+                  <p:tgtEl>
+                    <p:sldTgt/>
+                  </p:tgtEl>
+                </p:cond>
+              </p:prevCondLst>
+              <p:nextCondLst>
+                <p:cond evt="onNext" delay="0">
+                  <p:tgtEl>
+                    <p:sldTgt/>
+                  </p:tgtEl>
+                </p:cond>
+              </p:nextCondLst>
+            </p:seq>
+          </p:childTnLst>
+        </p:cTn>
+      </p:par>
+    </p:tnLst>
+  </p:timing>
+</p:sld>
+</file>
+
+<file path=ppt/slides/slide8.xml><?xml version="1.0" encoding="utf-8"?>
+<p:sld xmlns:a="http://schemas.openxmlformats.org/drawingml/2006/main" xmlns:r="http://schemas.openxmlformats.org/officeDocument/2006/relationships" xmlns:p="http://schemas.openxmlformats.org/presentationml/2006/main">
+  <p:cSld>
+    <p:spTree>
+      <p:nvGrpSpPr>
+        <p:cNvPr id="1" name=""/>
+        <p:cNvGrpSpPr/>
+        <p:nvPr/>
+      </p:nvGrpSpPr>
+      <p:grpSpPr>
+        <a:xfrm>
+          <a:off x="0" y="0"/>
+          <a:ext cx="0" cy="0"/>
+          <a:chOff x="0" y="0"/>
+          <a:chExt cx="0" cy="0"/>
+        </a:xfrm>
+      </p:grpSpPr>
+      <p:pic>
+        <p:nvPicPr>
+          <p:cNvPr id="3" name="Picture 2">
+            <a:extLst>
+              <a:ext uri="{FF2B5EF4-FFF2-40B4-BE49-F238E27FC236}">
+                <a16:creationId xmlns:a16="http://schemas.microsoft.com/office/drawing/2014/main" id="{6B736A65-B87B-C72D-FEEE-05880B8E7B16}"/>
+              </a:ext>
+            </a:extLst>
+          </p:cNvPr>
+          <p:cNvPicPr>
+            <a:picLocks noChangeAspect="1"/>
+          </p:cNvPicPr>
+          <p:nvPr/>
+        </p:nvPicPr>
+        <p:blipFill>
+          <a:blip r:embed="rId2"/>
+          <a:stretch>
+            <a:fillRect/>
+          </a:stretch>
+        </p:blipFill>
+        <p:spPr>
+          <a:xfrm>
+            <a:off x="134223" y="13178"/>
+            <a:ext cx="12192000" cy="6194079"/>
+          </a:xfrm>
+          <a:prstGeom prst="rect">
+            <a:avLst/>
+          </a:prstGeom>
+        </p:spPr>
+      </p:pic>
+      <p:pic>
+        <p:nvPicPr>
+          <p:cNvPr id="5" name="Picture 4">
+            <a:extLst>
+              <a:ext uri="{FF2B5EF4-FFF2-40B4-BE49-F238E27FC236}">
+                <a16:creationId xmlns:a16="http://schemas.microsoft.com/office/drawing/2014/main" id="{EBC238CB-E414-1C38-2217-BD9972A8A87B}"/>
+              </a:ext>
+            </a:extLst>
+          </p:cNvPr>
+          <p:cNvPicPr>
+            <a:picLocks noChangeAspect="1"/>
+          </p:cNvPicPr>
+          <p:nvPr/>
+        </p:nvPicPr>
+        <p:blipFill>
+          <a:blip r:embed="rId3"/>
+          <a:stretch>
+            <a:fillRect/>
+          </a:stretch>
+        </p:blipFill>
+        <p:spPr>
+          <a:xfrm>
+            <a:off x="3813495" y="4809075"/>
+            <a:ext cx="5800628" cy="1583335"/>
+          </a:xfrm>
+          <a:prstGeom prst="rect">
+            <a:avLst/>
+          </a:prstGeom>
+        </p:spPr>
+      </p:pic>
+      <p:sp>
+        <p:nvSpPr>
+          <p:cNvPr id="6" name="TextBox 5">
+            <a:extLst>
+              <a:ext uri="{FF2B5EF4-FFF2-40B4-BE49-F238E27FC236}">
+                <a16:creationId xmlns:a16="http://schemas.microsoft.com/office/drawing/2014/main" id="{E73FA372-9D06-2AE1-C3D4-E6DC91A06E02}"/>
+              </a:ext>
+            </a:extLst>
+          </p:cNvPr>
+          <p:cNvSpPr txBox="1"/>
+          <p:nvPr/>
+        </p:nvSpPr>
+        <p:spPr>
+          <a:xfrm>
+            <a:off x="2332139" y="1921079"/>
+            <a:ext cx="588623" cy="276999"/>
+          </a:xfrm>
+          <a:prstGeom prst="rect">
+            <a:avLst/>
+          </a:prstGeom>
+          <a:solidFill>
+            <a:srgbClr val="FFC000"/>
+          </a:solidFill>
+        </p:spPr>
+        <p:txBody>
+          <a:bodyPr wrap="none" rtlCol="0">
+            <a:spAutoFit/>
+          </a:bodyPr>
+          <a:lstStyle/>
+          <a:p>
+            <a:r>
+              <a:rPr lang="en-US" sz="1200" b="1" dirty="0">
+                <a:solidFill>
+                  <a:srgbClr val="FF0000"/>
+                </a:solidFill>
+              </a:rPr>
+              <a:t>GPIO2</a:t>
+            </a:r>
+            <a:endParaRPr lang="en-SG" sz="1200" b="1" dirty="0">
+              <a:solidFill>
+                <a:srgbClr val="FF0000"/>
+              </a:solidFill>
+            </a:endParaRPr>
+          </a:p>
+        </p:txBody>
+      </p:sp>
+      <p:sp>
+        <p:nvSpPr>
+          <p:cNvPr id="7" name="TextBox 6">
+            <a:extLst>
+              <a:ext uri="{FF2B5EF4-FFF2-40B4-BE49-F238E27FC236}">
+                <a16:creationId xmlns:a16="http://schemas.microsoft.com/office/drawing/2014/main" id="{E979E980-F678-D811-D6F6-4C6F62A85976}"/>
+              </a:ext>
+            </a:extLst>
+          </p:cNvPr>
+          <p:cNvSpPr txBox="1"/>
+          <p:nvPr/>
+        </p:nvSpPr>
+        <p:spPr>
+          <a:xfrm>
+            <a:off x="2332138" y="2744598"/>
+            <a:ext cx="623889" cy="276999"/>
+          </a:xfrm>
+          <a:prstGeom prst="rect">
+            <a:avLst/>
+          </a:prstGeom>
+          <a:solidFill>
+            <a:srgbClr val="FFC000"/>
+          </a:solidFill>
+        </p:spPr>
+        <p:txBody>
+          <a:bodyPr wrap="none" rtlCol="0">
+            <a:spAutoFit/>
+          </a:bodyPr>
+          <a:lstStyle/>
+          <a:p>
+            <a:r>
+              <a:rPr lang="en-US" sz="1200" b="1" dirty="0">
+                <a:solidFill>
+                  <a:srgbClr val="FF0000"/>
+                </a:solidFill>
+              </a:rPr>
+              <a:t>GPIO 3</a:t>
+            </a:r>
+            <a:endParaRPr lang="en-SG" sz="1200" b="1" dirty="0">
+              <a:solidFill>
+                <a:srgbClr val="FF0000"/>
+              </a:solidFill>
+            </a:endParaRPr>
+          </a:p>
+        </p:txBody>
+      </p:sp>
+      <p:sp>
+        <p:nvSpPr>
+          <p:cNvPr id="8" name="TextBox 7">
+            <a:extLst>
+              <a:ext uri="{FF2B5EF4-FFF2-40B4-BE49-F238E27FC236}">
+                <a16:creationId xmlns:a16="http://schemas.microsoft.com/office/drawing/2014/main" id="{A4DE9B05-44F9-F547-E71B-15676ECEF9D0}"/>
+              </a:ext>
+            </a:extLst>
+          </p:cNvPr>
+          <p:cNvSpPr txBox="1"/>
+          <p:nvPr/>
+        </p:nvSpPr>
+        <p:spPr>
+          <a:xfrm>
+            <a:off x="6096000" y="512243"/>
+            <a:ext cx="660758" cy="276999"/>
+          </a:xfrm>
+          <a:prstGeom prst="rect">
+            <a:avLst/>
+          </a:prstGeom>
+          <a:solidFill>
+            <a:srgbClr val="FFC000"/>
+          </a:solidFill>
+        </p:spPr>
+        <p:txBody>
+          <a:bodyPr wrap="none" rtlCol="0">
+            <a:spAutoFit/>
+          </a:bodyPr>
+          <a:lstStyle/>
+          <a:p>
+            <a:r>
+              <a:rPr lang="en-US" sz="1200" b="1" dirty="0">
+                <a:solidFill>
+                  <a:srgbClr val="FF0000"/>
+                </a:solidFill>
+              </a:rPr>
+              <a:t>GPIO17</a:t>
+            </a:r>
+            <a:endParaRPr lang="en-SG" sz="1200" b="1" dirty="0">
+              <a:solidFill>
+                <a:srgbClr val="FF0000"/>
+              </a:solidFill>
+            </a:endParaRPr>
+          </a:p>
+        </p:txBody>
+      </p:sp>
+      <p:sp>
+        <p:nvSpPr>
+          <p:cNvPr id="9" name="TextBox 8">
+            <a:extLst>
+              <a:ext uri="{FF2B5EF4-FFF2-40B4-BE49-F238E27FC236}">
+                <a16:creationId xmlns:a16="http://schemas.microsoft.com/office/drawing/2014/main" id="{B42308F0-6349-6C43-89FB-24E6A770F317}"/>
+              </a:ext>
+            </a:extLst>
+          </p:cNvPr>
+          <p:cNvSpPr txBox="1"/>
+          <p:nvPr/>
+        </p:nvSpPr>
+        <p:spPr>
+          <a:xfrm>
+            <a:off x="6495180" y="1399158"/>
+            <a:ext cx="701718" cy="276999"/>
+          </a:xfrm>
+          <a:prstGeom prst="rect">
+            <a:avLst/>
+          </a:prstGeom>
+          <a:solidFill>
+            <a:srgbClr val="FFC000"/>
+          </a:solidFill>
+        </p:spPr>
+        <p:txBody>
+          <a:bodyPr wrap="square" rtlCol="0">
+            <a:spAutoFit/>
+          </a:bodyPr>
+          <a:lstStyle/>
+          <a:p>
+            <a:r>
+              <a:rPr lang="en-US" sz="1200" b="1" dirty="0">
+                <a:solidFill>
+                  <a:srgbClr val="FF0000"/>
+                </a:solidFill>
+              </a:rPr>
+              <a:t>GPIO16</a:t>
+            </a:r>
+            <a:endParaRPr lang="en-SG" sz="1200" b="1" dirty="0">
+              <a:solidFill>
+                <a:srgbClr val="FF0000"/>
+              </a:solidFill>
+            </a:endParaRPr>
+          </a:p>
+        </p:txBody>
+      </p:sp>
+    </p:spTree>
+    <p:extLst>
+      <p:ext uri="{BB962C8B-B14F-4D97-AF65-F5344CB8AC3E}">
+        <p14:creationId xmlns:p14="http://schemas.microsoft.com/office/powerpoint/2010/main" val="1255634960"/>
+      </p:ext>
+    </p:extLst>
+  </p:cSld>
+  <p:clrMapOvr>
+    <a:masterClrMapping/>
+  </p:clrMapOvr>
 </p:sld>
 </file>
 

--- a/Club Meetings 2023/Meeting 06 - Jun 04 2023/LN298 Wiring and Explanation.pptx
+++ b/Club Meetings 2023/Meeting 06 - Jun 04 2023/LN298 Wiring and Explanation.pptx
@@ -13,6 +13,9 @@
     <p:sldId id="262" r:id="rId7"/>
     <p:sldId id="263" r:id="rId8"/>
     <p:sldId id="264" r:id="rId9"/>
+    <p:sldId id="266" r:id="rId10"/>
+    <p:sldId id="267" r:id="rId11"/>
+    <p:sldId id="265" r:id="rId12"/>
   </p:sldIdLst>
   <p:sldSz cx="12192000" cy="6858000"/>
   <p:notesSz cx="6858000" cy="9144000"/>
@@ -268,7 +271,7 @@
           <a:p>
             <a:fld id="{7ABB9423-A254-4D14-A209-4E45C036B111}" type="datetimeFigureOut">
               <a:rPr lang="en-SG" smtClean="0"/>
-              <a:t>30/5/2023</a:t>
+              <a:t>3/6/2023</a:t>
             </a:fld>
             <a:endParaRPr lang="en-SG"/>
           </a:p>
@@ -468,7 +471,7 @@
           <a:p>
             <a:fld id="{7ABB9423-A254-4D14-A209-4E45C036B111}" type="datetimeFigureOut">
               <a:rPr lang="en-SG" smtClean="0"/>
-              <a:t>30/5/2023</a:t>
+              <a:t>3/6/2023</a:t>
             </a:fld>
             <a:endParaRPr lang="en-SG"/>
           </a:p>
@@ -678,7 +681,7 @@
           <a:p>
             <a:fld id="{7ABB9423-A254-4D14-A209-4E45C036B111}" type="datetimeFigureOut">
               <a:rPr lang="en-SG" smtClean="0"/>
-              <a:t>30/5/2023</a:t>
+              <a:t>3/6/2023</a:t>
             </a:fld>
             <a:endParaRPr lang="en-SG"/>
           </a:p>
@@ -878,7 +881,7 @@
           <a:p>
             <a:fld id="{7ABB9423-A254-4D14-A209-4E45C036B111}" type="datetimeFigureOut">
               <a:rPr lang="en-SG" smtClean="0"/>
-              <a:t>30/5/2023</a:t>
+              <a:t>3/6/2023</a:t>
             </a:fld>
             <a:endParaRPr lang="en-SG"/>
           </a:p>
@@ -1154,7 +1157,7 @@
           <a:p>
             <a:fld id="{7ABB9423-A254-4D14-A209-4E45C036B111}" type="datetimeFigureOut">
               <a:rPr lang="en-SG" smtClean="0"/>
-              <a:t>30/5/2023</a:t>
+              <a:t>3/6/2023</a:t>
             </a:fld>
             <a:endParaRPr lang="en-SG"/>
           </a:p>
@@ -1422,7 +1425,7 @@
           <a:p>
             <a:fld id="{7ABB9423-A254-4D14-A209-4E45C036B111}" type="datetimeFigureOut">
               <a:rPr lang="en-SG" smtClean="0"/>
-              <a:t>30/5/2023</a:t>
+              <a:t>3/6/2023</a:t>
             </a:fld>
             <a:endParaRPr lang="en-SG"/>
           </a:p>
@@ -1837,7 +1840,7 @@
           <a:p>
             <a:fld id="{7ABB9423-A254-4D14-A209-4E45C036B111}" type="datetimeFigureOut">
               <a:rPr lang="en-SG" smtClean="0"/>
-              <a:t>30/5/2023</a:t>
+              <a:t>3/6/2023</a:t>
             </a:fld>
             <a:endParaRPr lang="en-SG"/>
           </a:p>
@@ -1979,7 +1982,7 @@
           <a:p>
             <a:fld id="{7ABB9423-A254-4D14-A209-4E45C036B111}" type="datetimeFigureOut">
               <a:rPr lang="en-SG" smtClean="0"/>
-              <a:t>30/5/2023</a:t>
+              <a:t>3/6/2023</a:t>
             </a:fld>
             <a:endParaRPr lang="en-SG"/>
           </a:p>
@@ -2092,7 +2095,7 @@
           <a:p>
             <a:fld id="{7ABB9423-A254-4D14-A209-4E45C036B111}" type="datetimeFigureOut">
               <a:rPr lang="en-SG" smtClean="0"/>
-              <a:t>30/5/2023</a:t>
+              <a:t>3/6/2023</a:t>
             </a:fld>
             <a:endParaRPr lang="en-SG"/>
           </a:p>
@@ -2405,7 +2408,7 @@
           <a:p>
             <a:fld id="{7ABB9423-A254-4D14-A209-4E45C036B111}" type="datetimeFigureOut">
               <a:rPr lang="en-SG" smtClean="0"/>
-              <a:t>30/5/2023</a:t>
+              <a:t>3/6/2023</a:t>
             </a:fld>
             <a:endParaRPr lang="en-SG"/>
           </a:p>
@@ -2694,7 +2697,7 @@
           <a:p>
             <a:fld id="{7ABB9423-A254-4D14-A209-4E45C036B111}" type="datetimeFigureOut">
               <a:rPr lang="en-SG" smtClean="0"/>
-              <a:t>30/5/2023</a:t>
+              <a:t>3/6/2023</a:t>
             </a:fld>
             <a:endParaRPr lang="en-SG"/>
           </a:p>
@@ -2937,7 +2940,7 @@
           <a:p>
             <a:fld id="{7ABB9423-A254-4D14-A209-4E45C036B111}" type="datetimeFigureOut">
               <a:rPr lang="en-SG" smtClean="0"/>
-              <a:t>30/5/2023</a:t>
+              <a:t>3/6/2023</a:t>
             </a:fld>
             <a:endParaRPr lang="en-SG"/>
           </a:p>
@@ -4656,6 +4659,319 @@
       <p:bldP spid="39" grpId="0" animBg="1"/>
     </p:bldLst>
   </p:timing>
+</p:sld>
+</file>
+
+<file path=ppt/slides/slide10.xml><?xml version="1.0" encoding="utf-8"?>
+<p:sld xmlns:a="http://schemas.openxmlformats.org/drawingml/2006/main" xmlns:r="http://schemas.openxmlformats.org/officeDocument/2006/relationships" xmlns:p="http://schemas.openxmlformats.org/presentationml/2006/main">
+  <p:cSld>
+    <p:spTree>
+      <p:nvGrpSpPr>
+        <p:cNvPr id="1" name=""/>
+        <p:cNvGrpSpPr/>
+        <p:nvPr/>
+      </p:nvGrpSpPr>
+      <p:grpSpPr>
+        <a:xfrm>
+          <a:off x="0" y="0"/>
+          <a:ext cx="0" cy="0"/>
+          <a:chOff x="0" y="0"/>
+          <a:chExt cx="0" cy="0"/>
+        </a:xfrm>
+      </p:grpSpPr>
+      <p:pic>
+        <p:nvPicPr>
+          <p:cNvPr id="3" name="Picture 2">
+            <a:extLst>
+              <a:ext uri="{FF2B5EF4-FFF2-40B4-BE49-F238E27FC236}">
+                <a16:creationId xmlns:a16="http://schemas.microsoft.com/office/drawing/2014/main" id="{092E2D2D-1CF4-A67C-6627-CE762A623159}"/>
+              </a:ext>
+            </a:extLst>
+          </p:cNvPr>
+          <p:cNvPicPr>
+            <a:picLocks noChangeAspect="1"/>
+          </p:cNvPicPr>
+          <p:nvPr/>
+        </p:nvPicPr>
+        <p:blipFill>
+          <a:blip r:embed="rId2"/>
+          <a:stretch>
+            <a:fillRect/>
+          </a:stretch>
+        </p:blipFill>
+        <p:spPr>
+          <a:xfrm>
+            <a:off x="775555" y="335560"/>
+            <a:ext cx="8024495" cy="4724762"/>
+          </a:xfrm>
+          <a:prstGeom prst="rect">
+            <a:avLst/>
+          </a:prstGeom>
+        </p:spPr>
+      </p:pic>
+      <p:sp>
+        <p:nvSpPr>
+          <p:cNvPr id="5" name="TextBox 4">
+            <a:extLst>
+              <a:ext uri="{FF2B5EF4-FFF2-40B4-BE49-F238E27FC236}">
+                <a16:creationId xmlns:a16="http://schemas.microsoft.com/office/drawing/2014/main" id="{61A4DE88-DAC6-ED76-3D28-82536D40F14C}"/>
+              </a:ext>
+            </a:extLst>
+          </p:cNvPr>
+          <p:cNvSpPr txBox="1"/>
+          <p:nvPr/>
+        </p:nvSpPr>
+        <p:spPr>
+          <a:xfrm>
+            <a:off x="775555" y="5060322"/>
+            <a:ext cx="8369143" cy="1200329"/>
+          </a:xfrm>
+          <a:prstGeom prst="rect">
+            <a:avLst/>
+          </a:prstGeom>
+          <a:noFill/>
+        </p:spPr>
+        <p:txBody>
+          <a:bodyPr wrap="square">
+            <a:spAutoFit/>
+          </a:bodyPr>
+          <a:lstStyle/>
+          <a:p>
+            <a:r>
+              <a:rPr lang="en-SG" dirty="0">
+                <a:hlinkClick r:id="rId3"/>
+              </a:rPr>
+              <a:t>https://shopee.sg/2pcs-15cm-Wire-Cable-9V-9-Volt-Battery-Clip-Connector-I-Type-i.115725173.20779261825?sp_atk=ca99f17f-20a4-4b7d-8a91-010635a30d0f&amp;xptdk=ca99f17f-20a4-4b7d-8a91-010635a30d0f</a:t>
+            </a:r>
+            <a:endParaRPr lang="en-SG" dirty="0"/>
+          </a:p>
+          <a:p>
+            <a:endParaRPr lang="en-SG" dirty="0"/>
+          </a:p>
+        </p:txBody>
+      </p:sp>
+    </p:spTree>
+    <p:extLst>
+      <p:ext uri="{BB962C8B-B14F-4D97-AF65-F5344CB8AC3E}">
+        <p14:creationId xmlns:p14="http://schemas.microsoft.com/office/powerpoint/2010/main" val="2372724050"/>
+      </p:ext>
+    </p:extLst>
+  </p:cSld>
+  <p:clrMapOvr>
+    <a:masterClrMapping/>
+  </p:clrMapOvr>
+</p:sld>
+</file>
+
+<file path=ppt/slides/slide11.xml><?xml version="1.0" encoding="utf-8"?>
+<p:sld xmlns:a="http://schemas.openxmlformats.org/drawingml/2006/main" xmlns:r="http://schemas.openxmlformats.org/officeDocument/2006/relationships" xmlns:p="http://schemas.openxmlformats.org/presentationml/2006/main">
+  <p:cSld>
+    <p:spTree>
+      <p:nvGrpSpPr>
+        <p:cNvPr id="1" name=""/>
+        <p:cNvGrpSpPr/>
+        <p:nvPr/>
+      </p:nvGrpSpPr>
+      <p:grpSpPr>
+        <a:xfrm>
+          <a:off x="0" y="0"/>
+          <a:ext cx="0" cy="0"/>
+          <a:chOff x="0" y="0"/>
+          <a:chExt cx="0" cy="0"/>
+        </a:xfrm>
+      </p:grpSpPr>
+      <p:sp>
+        <p:nvSpPr>
+          <p:cNvPr id="2" name="TextBox 1">
+            <a:extLst>
+              <a:ext uri="{FF2B5EF4-FFF2-40B4-BE49-F238E27FC236}">
+                <a16:creationId xmlns:a16="http://schemas.microsoft.com/office/drawing/2014/main" id="{643301AF-1389-526D-8D78-D0C789C313BE}"/>
+              </a:ext>
+            </a:extLst>
+          </p:cNvPr>
+          <p:cNvSpPr txBox="1"/>
+          <p:nvPr/>
+        </p:nvSpPr>
+        <p:spPr>
+          <a:xfrm>
+            <a:off x="2978089" y="1750823"/>
+            <a:ext cx="6425969" cy="4247317"/>
+          </a:xfrm>
+          <a:prstGeom prst="rect">
+            <a:avLst/>
+          </a:prstGeom>
+          <a:noFill/>
+        </p:spPr>
+        <p:txBody>
+          <a:bodyPr wrap="square" rtlCol="0">
+            <a:spAutoFit/>
+          </a:bodyPr>
+          <a:lstStyle/>
+          <a:p>
+            <a:r>
+              <a:rPr lang="en-US" dirty="0"/>
+              <a:t>The Robot Class  -  </a:t>
+            </a:r>
+            <a:r>
+              <a:rPr lang="en-US" dirty="0">
+                <a:solidFill>
+                  <a:srgbClr val="0070C0"/>
+                </a:solidFill>
+              </a:rPr>
+              <a:t>classRobotCar.py</a:t>
+            </a:r>
+          </a:p>
+          <a:p>
+            <a:pPr marL="742950" lvl="1" indent="-285750">
+              <a:buFont typeface="Arial" panose="020B0604020202020204" pitchFamily="34" charset="0"/>
+              <a:buChar char="•"/>
+            </a:pPr>
+            <a:r>
+              <a:rPr lang="en-US" dirty="0"/>
+              <a:t>Getting </a:t>
+            </a:r>
+            <a:r>
+              <a:rPr lang="en-US" dirty="0" err="1"/>
+              <a:t>ChatGPT</a:t>
+            </a:r>
+            <a:r>
+              <a:rPr lang="en-US" dirty="0"/>
+              <a:t> to explain what a class is</a:t>
+            </a:r>
+          </a:p>
+          <a:p>
+            <a:endParaRPr lang="en-US" dirty="0"/>
+          </a:p>
+          <a:p>
+            <a:r>
+              <a:rPr lang="en-US" dirty="0"/>
+              <a:t>Example of a python program using class</a:t>
+            </a:r>
+          </a:p>
+          <a:p>
+            <a:pPr marL="742950" lvl="1" indent="-285750">
+              <a:buFont typeface="Arial" panose="020B0604020202020204" pitchFamily="34" charset="0"/>
+              <a:buChar char="•"/>
+            </a:pPr>
+            <a:r>
+              <a:rPr lang="en-US" dirty="0"/>
+              <a:t>Controlling the Robot via </a:t>
+            </a:r>
+            <a:r>
+              <a:rPr lang="en-US" dirty="0" err="1"/>
+              <a:t>Wifi</a:t>
+            </a:r>
+            <a:r>
+              <a:rPr lang="en-US" dirty="0"/>
+              <a:t> – </a:t>
+            </a:r>
+            <a:r>
+              <a:rPr lang="en-US" dirty="0">
+                <a:solidFill>
+                  <a:srgbClr val="0070C0"/>
+                </a:solidFill>
+              </a:rPr>
+              <a:t>robby_wifi_controlled.py</a:t>
+            </a:r>
+          </a:p>
+          <a:p>
+            <a:pPr marL="742950" lvl="1" indent="-285750">
+              <a:buFont typeface="Arial" panose="020B0604020202020204" pitchFamily="34" charset="0"/>
+              <a:buChar char="•"/>
+            </a:pPr>
+            <a:r>
+              <a:rPr lang="en-US" dirty="0"/>
+              <a:t>How to get </a:t>
+            </a:r>
+            <a:r>
+              <a:rPr lang="en-US" dirty="0" err="1"/>
+              <a:t>ChatGPT</a:t>
+            </a:r>
+            <a:r>
+              <a:rPr lang="en-US" dirty="0"/>
+              <a:t> to generate the html page</a:t>
+            </a:r>
+          </a:p>
+          <a:p>
+            <a:pPr marL="742950" lvl="1" indent="-285750">
+              <a:buFont typeface="Arial" panose="020B0604020202020204" pitchFamily="34" charset="0"/>
+              <a:buChar char="•"/>
+            </a:pPr>
+            <a:r>
+              <a:rPr lang="en-US" dirty="0"/>
+              <a:t>Sample:</a:t>
+            </a:r>
+          </a:p>
+          <a:p>
+            <a:pPr marL="742950" lvl="1" indent="-285750">
+              <a:buFont typeface="Arial" panose="020B0604020202020204" pitchFamily="34" charset="0"/>
+              <a:buChar char="•"/>
+            </a:pPr>
+            <a:r>
+              <a:rPr lang="en-US" b="0" i="1" dirty="0">
+                <a:solidFill>
+                  <a:srgbClr val="FF0000"/>
+                </a:solidFill>
+                <a:effectLst/>
+                <a:latin typeface="Söhne"/>
+              </a:rPr>
+              <a:t>give me a html page using bootstrap. 1 FORWARD button in green 1 BACKWARD button in green, 1 LEFT button in blue, 1 RIGHT button in blue and 1 STOP button in red in the middle of these 4 buttons. Add a caption on top of these button : WEB CONTROLLED ROBOT CAR. All buttons belongs to the same group ‘key’ to submit to a </a:t>
+            </a:r>
+            <a:r>
+              <a:rPr lang="en-US" b="0" i="1" dirty="0" err="1">
+                <a:solidFill>
+                  <a:srgbClr val="FF0000"/>
+                </a:solidFill>
+                <a:effectLst/>
+                <a:latin typeface="Söhne"/>
+              </a:rPr>
+              <a:t>pico</a:t>
+            </a:r>
+            <a:r>
+              <a:rPr lang="en-US" b="0" i="1" dirty="0">
+                <a:solidFill>
+                  <a:srgbClr val="FF0000"/>
+                </a:solidFill>
+                <a:effectLst/>
+                <a:latin typeface="Söhne"/>
+              </a:rPr>
+              <a:t> web server.  Do not use </a:t>
+            </a:r>
+            <a:r>
+              <a:rPr lang="en-US" b="0" i="1" dirty="0" err="1">
+                <a:solidFill>
+                  <a:srgbClr val="FF0000"/>
+                </a:solidFill>
+                <a:effectLst/>
+                <a:latin typeface="Söhne"/>
+              </a:rPr>
+              <a:t>javascript</a:t>
+            </a:r>
+            <a:endParaRPr lang="en-US" i="1" dirty="0">
+              <a:solidFill>
+                <a:srgbClr val="FF0000"/>
+              </a:solidFill>
+            </a:endParaRPr>
+          </a:p>
+          <a:p>
+            <a:endParaRPr lang="en-SG" dirty="0">
+              <a:solidFill>
+                <a:srgbClr val="0070C0"/>
+              </a:solidFill>
+            </a:endParaRPr>
+          </a:p>
+        </p:txBody>
+      </p:sp>
+    </p:spTree>
+    <p:extLst>
+      <p:ext uri="{BB962C8B-B14F-4D97-AF65-F5344CB8AC3E}">
+        <p14:creationId xmlns:p14="http://schemas.microsoft.com/office/powerpoint/2010/main" val="1645840071"/>
+      </p:ext>
+    </p:extLst>
+  </p:cSld>
+  <p:clrMapOvr>
+    <a:masterClrMapping/>
+  </p:clrMapOvr>
 </p:sld>
 </file>
 
@@ -13231,6 +13547,107 @@
 </p:sld>
 </file>
 
+<file path=ppt/slides/slide9.xml><?xml version="1.0" encoding="utf-8"?>
+<p:sld xmlns:a="http://schemas.openxmlformats.org/drawingml/2006/main" xmlns:r="http://schemas.openxmlformats.org/officeDocument/2006/relationships" xmlns:p="http://schemas.openxmlformats.org/presentationml/2006/main">
+  <p:cSld>
+    <p:spTree>
+      <p:nvGrpSpPr>
+        <p:cNvPr id="1" name=""/>
+        <p:cNvGrpSpPr/>
+        <p:nvPr/>
+      </p:nvGrpSpPr>
+      <p:grpSpPr>
+        <a:xfrm>
+          <a:off x="0" y="0"/>
+          <a:ext cx="0" cy="0"/>
+          <a:chOff x="0" y="0"/>
+          <a:chExt cx="0" cy="0"/>
+        </a:xfrm>
+      </p:grpSpPr>
+      <p:pic>
+        <p:nvPicPr>
+          <p:cNvPr id="3" name="Picture 2">
+            <a:extLst>
+              <a:ext uri="{FF2B5EF4-FFF2-40B4-BE49-F238E27FC236}">
+                <a16:creationId xmlns:a16="http://schemas.microsoft.com/office/drawing/2014/main" id="{EFE4289F-F3EB-EECB-00B6-8889816A8EFD}"/>
+              </a:ext>
+            </a:extLst>
+          </p:cNvPr>
+          <p:cNvPicPr>
+            <a:picLocks noChangeAspect="1"/>
+          </p:cNvPicPr>
+          <p:nvPr/>
+        </p:nvPicPr>
+        <p:blipFill>
+          <a:blip r:embed="rId2"/>
+          <a:stretch>
+            <a:fillRect/>
+          </a:stretch>
+        </p:blipFill>
+        <p:spPr>
+          <a:xfrm>
+            <a:off x="462643" y="0"/>
+            <a:ext cx="8891082" cy="5411963"/>
+          </a:xfrm>
+          <a:prstGeom prst="rect">
+            <a:avLst/>
+          </a:prstGeom>
+        </p:spPr>
+      </p:pic>
+      <p:sp>
+        <p:nvSpPr>
+          <p:cNvPr id="5" name="TextBox 4">
+            <a:extLst>
+              <a:ext uri="{FF2B5EF4-FFF2-40B4-BE49-F238E27FC236}">
+                <a16:creationId xmlns:a16="http://schemas.microsoft.com/office/drawing/2014/main" id="{24321A10-042C-E5E5-E655-58520C014B72}"/>
+              </a:ext>
+            </a:extLst>
+          </p:cNvPr>
+          <p:cNvSpPr txBox="1"/>
+          <p:nvPr/>
+        </p:nvSpPr>
+        <p:spPr>
+          <a:xfrm>
+            <a:off x="395531" y="5537798"/>
+            <a:ext cx="9318920" cy="923330"/>
+          </a:xfrm>
+          <a:prstGeom prst="rect">
+            <a:avLst/>
+          </a:prstGeom>
+          <a:noFill/>
+        </p:spPr>
+        <p:txBody>
+          <a:bodyPr wrap="square">
+            <a:spAutoFit/>
+          </a:bodyPr>
+          <a:lstStyle/>
+          <a:p>
+            <a:r>
+              <a:rPr lang="en-SG" dirty="0">
+                <a:hlinkClick r:id="rId3"/>
+              </a:rPr>
+              <a:t>https://shopee.sg/Beston-9V-1000mAh-Battery-with-USB-Type-C-Rechargeable-Port-Li-ion-Battery-Smart-Tag-(Free-Type-C-Cable)-i.203611580.22138888328</a:t>
+            </a:r>
+            <a:endParaRPr lang="en-SG" dirty="0"/>
+          </a:p>
+          <a:p>
+            <a:endParaRPr lang="en-SG" dirty="0"/>
+          </a:p>
+        </p:txBody>
+      </p:sp>
+    </p:spTree>
+    <p:extLst>
+      <p:ext uri="{BB962C8B-B14F-4D97-AF65-F5344CB8AC3E}">
+        <p14:creationId xmlns:p14="http://schemas.microsoft.com/office/powerpoint/2010/main" val="2077624071"/>
+      </p:ext>
+    </p:extLst>
+  </p:cSld>
+  <p:clrMapOvr>
+    <a:masterClrMapping/>
+  </p:clrMapOvr>
+</p:sld>
+</file>
+
 <file path=ppt/theme/theme1.xml><?xml version="1.0" encoding="utf-8"?>
 <a:theme xmlns:a="http://schemas.openxmlformats.org/drawingml/2006/main" name="Office Theme">
   <a:themeElements>

--- a/Club Meetings 2023/Meeting 06 - Jun 04 2023/LN298 Wiring and Explanation.pptx
+++ b/Club Meetings 2023/Meeting 06 - Jun 04 2023/LN298 Wiring and Explanation.pptx
@@ -271,7 +271,7 @@
           <a:p>
             <a:fld id="{7ABB9423-A254-4D14-A209-4E45C036B111}" type="datetimeFigureOut">
               <a:rPr lang="en-SG" smtClean="0"/>
-              <a:t>3/6/2023</a:t>
+              <a:t>5/6/2023</a:t>
             </a:fld>
             <a:endParaRPr lang="en-SG"/>
           </a:p>
@@ -471,7 +471,7 @@
           <a:p>
             <a:fld id="{7ABB9423-A254-4D14-A209-4E45C036B111}" type="datetimeFigureOut">
               <a:rPr lang="en-SG" smtClean="0"/>
-              <a:t>3/6/2023</a:t>
+              <a:t>5/6/2023</a:t>
             </a:fld>
             <a:endParaRPr lang="en-SG"/>
           </a:p>
@@ -681,7 +681,7 @@
           <a:p>
             <a:fld id="{7ABB9423-A254-4D14-A209-4E45C036B111}" type="datetimeFigureOut">
               <a:rPr lang="en-SG" smtClean="0"/>
-              <a:t>3/6/2023</a:t>
+              <a:t>5/6/2023</a:t>
             </a:fld>
             <a:endParaRPr lang="en-SG"/>
           </a:p>
@@ -881,7 +881,7 @@
           <a:p>
             <a:fld id="{7ABB9423-A254-4D14-A209-4E45C036B111}" type="datetimeFigureOut">
               <a:rPr lang="en-SG" smtClean="0"/>
-              <a:t>3/6/2023</a:t>
+              <a:t>5/6/2023</a:t>
             </a:fld>
             <a:endParaRPr lang="en-SG"/>
           </a:p>
@@ -1157,7 +1157,7 @@
           <a:p>
             <a:fld id="{7ABB9423-A254-4D14-A209-4E45C036B111}" type="datetimeFigureOut">
               <a:rPr lang="en-SG" smtClean="0"/>
-              <a:t>3/6/2023</a:t>
+              <a:t>5/6/2023</a:t>
             </a:fld>
             <a:endParaRPr lang="en-SG"/>
           </a:p>
@@ -1425,7 +1425,7 @@
           <a:p>
             <a:fld id="{7ABB9423-A254-4D14-A209-4E45C036B111}" type="datetimeFigureOut">
               <a:rPr lang="en-SG" smtClean="0"/>
-              <a:t>3/6/2023</a:t>
+              <a:t>5/6/2023</a:t>
             </a:fld>
             <a:endParaRPr lang="en-SG"/>
           </a:p>
@@ -1840,7 +1840,7 @@
           <a:p>
             <a:fld id="{7ABB9423-A254-4D14-A209-4E45C036B111}" type="datetimeFigureOut">
               <a:rPr lang="en-SG" smtClean="0"/>
-              <a:t>3/6/2023</a:t>
+              <a:t>5/6/2023</a:t>
             </a:fld>
             <a:endParaRPr lang="en-SG"/>
           </a:p>
@@ -1982,7 +1982,7 @@
           <a:p>
             <a:fld id="{7ABB9423-A254-4D14-A209-4E45C036B111}" type="datetimeFigureOut">
               <a:rPr lang="en-SG" smtClean="0"/>
-              <a:t>3/6/2023</a:t>
+              <a:t>5/6/2023</a:t>
             </a:fld>
             <a:endParaRPr lang="en-SG"/>
           </a:p>
@@ -2095,7 +2095,7 @@
           <a:p>
             <a:fld id="{7ABB9423-A254-4D14-A209-4E45C036B111}" type="datetimeFigureOut">
               <a:rPr lang="en-SG" smtClean="0"/>
-              <a:t>3/6/2023</a:t>
+              <a:t>5/6/2023</a:t>
             </a:fld>
             <a:endParaRPr lang="en-SG"/>
           </a:p>
@@ -2408,7 +2408,7 @@
           <a:p>
             <a:fld id="{7ABB9423-A254-4D14-A209-4E45C036B111}" type="datetimeFigureOut">
               <a:rPr lang="en-SG" smtClean="0"/>
-              <a:t>3/6/2023</a:t>
+              <a:t>5/6/2023</a:t>
             </a:fld>
             <a:endParaRPr lang="en-SG"/>
           </a:p>
@@ -2697,7 +2697,7 @@
           <a:p>
             <a:fld id="{7ABB9423-A254-4D14-A209-4E45C036B111}" type="datetimeFigureOut">
               <a:rPr lang="en-SG" smtClean="0"/>
-              <a:t>3/6/2023</a:t>
+              <a:t>5/6/2023</a:t>
             </a:fld>
             <a:endParaRPr lang="en-SG"/>
           </a:p>
@@ -2940,7 +2940,7 @@
           <a:p>
             <a:fld id="{7ABB9423-A254-4D14-A209-4E45C036B111}" type="datetimeFigureOut">
               <a:rPr lang="en-SG" smtClean="0"/>
-              <a:t>3/6/2023</a:t>
+              <a:t>5/6/2023</a:t>
             </a:fld>
             <a:endParaRPr lang="en-SG"/>
           </a:p>
@@ -4069,6 +4069,113 @@
           </a:p>
         </p:txBody>
       </p:sp>
+      <p:grpSp>
+        <p:nvGrpSpPr>
+          <p:cNvPr id="6" name="Group 5">
+            <a:extLst>
+              <a:ext uri="{FF2B5EF4-FFF2-40B4-BE49-F238E27FC236}">
+                <a16:creationId xmlns:a16="http://schemas.microsoft.com/office/drawing/2014/main" id="{F565B6CA-AF7D-CC25-84D5-6D8CEF656C45}"/>
+              </a:ext>
+            </a:extLst>
+          </p:cNvPr>
+          <p:cNvGrpSpPr/>
+          <p:nvPr/>
+        </p:nvGrpSpPr>
+        <p:grpSpPr>
+          <a:xfrm>
+            <a:off x="7501953" y="4907117"/>
+            <a:ext cx="890101" cy="1739226"/>
+            <a:chOff x="7501953" y="4907117"/>
+            <a:chExt cx="890101" cy="1739226"/>
+          </a:xfrm>
+        </p:grpSpPr>
+        <p:sp>
+          <p:nvSpPr>
+            <p:cNvPr id="10" name="TextBox 9">
+              <a:extLst>
+                <a:ext uri="{FF2B5EF4-FFF2-40B4-BE49-F238E27FC236}">
+                  <a16:creationId xmlns:a16="http://schemas.microsoft.com/office/drawing/2014/main" id="{A497D6A3-95CB-A210-5978-1A85BFC755BB}"/>
+                </a:ext>
+              </a:extLst>
+            </p:cNvPr>
+            <p:cNvSpPr txBox="1"/>
+            <p:nvPr/>
+          </p:nvSpPr>
+          <p:spPr>
+            <a:xfrm>
+              <a:off x="7612877" y="4907117"/>
+              <a:ext cx="779177" cy="830997"/>
+            </a:xfrm>
+            <a:prstGeom prst="rect">
+              <a:avLst/>
+            </a:prstGeom>
+            <a:solidFill>
+              <a:srgbClr val="FFFF00"/>
+            </a:solidFill>
+          </p:spPr>
+          <p:txBody>
+            <a:bodyPr wrap="square" rtlCol="0">
+              <a:spAutoFit/>
+            </a:bodyPr>
+            <a:lstStyle/>
+            <a:p>
+              <a:endParaRPr lang="en-US" sz="1600" dirty="0"/>
+            </a:p>
+            <a:p>
+              <a:r>
+                <a:rPr lang="en-US" sz="1600" dirty="0"/>
+                <a:t>LEFT</a:t>
+              </a:r>
+            </a:p>
+            <a:p>
+              <a:endParaRPr lang="en-SG" sz="1600" dirty="0"/>
+            </a:p>
+          </p:txBody>
+        </p:sp>
+        <p:sp>
+          <p:nvSpPr>
+            <p:cNvPr id="11" name="TextBox 10">
+              <a:extLst>
+                <a:ext uri="{FF2B5EF4-FFF2-40B4-BE49-F238E27FC236}">
+                  <a16:creationId xmlns:a16="http://schemas.microsoft.com/office/drawing/2014/main" id="{EFDE1B89-5C95-8C8A-747F-075A51D882F2}"/>
+                </a:ext>
+              </a:extLst>
+            </p:cNvPr>
+            <p:cNvSpPr txBox="1"/>
+            <p:nvPr/>
+          </p:nvSpPr>
+          <p:spPr>
+            <a:xfrm>
+              <a:off x="7501953" y="5815346"/>
+              <a:ext cx="779177" cy="830997"/>
+            </a:xfrm>
+            <a:prstGeom prst="rect">
+              <a:avLst/>
+            </a:prstGeom>
+            <a:solidFill>
+              <a:srgbClr val="FFFF00"/>
+            </a:solidFill>
+          </p:spPr>
+          <p:txBody>
+            <a:bodyPr wrap="square" rtlCol="0">
+              <a:spAutoFit/>
+            </a:bodyPr>
+            <a:lstStyle/>
+            <a:p>
+              <a:endParaRPr lang="en-US" sz="1600" dirty="0"/>
+            </a:p>
+            <a:p>
+              <a:r>
+                <a:rPr lang="en-US" sz="1600" dirty="0"/>
+                <a:t>RIGHT</a:t>
+              </a:r>
+            </a:p>
+            <a:p>
+              <a:endParaRPr lang="en-SG" sz="1600" dirty="0"/>
+            </a:p>
+          </p:txBody>
+        </p:sp>
+      </p:grpSp>
     </p:spTree>
     <p:extLst>
       <p:ext uri="{BB962C8B-B14F-4D97-AF65-F5344CB8AC3E}">
@@ -5671,6 +5778,113 @@
           </a:prstGeom>
         </p:spPr>
       </p:pic>
+      <p:grpSp>
+        <p:nvGrpSpPr>
+          <p:cNvPr id="4" name="Group 3">
+            <a:extLst>
+              <a:ext uri="{FF2B5EF4-FFF2-40B4-BE49-F238E27FC236}">
+                <a16:creationId xmlns:a16="http://schemas.microsoft.com/office/drawing/2014/main" id="{18CB79AD-7A4E-E407-2FFE-BEC702960BC6}"/>
+              </a:ext>
+            </a:extLst>
+          </p:cNvPr>
+          <p:cNvGrpSpPr/>
+          <p:nvPr/>
+        </p:nvGrpSpPr>
+        <p:grpSpPr>
+          <a:xfrm>
+            <a:off x="7501953" y="4907117"/>
+            <a:ext cx="890101" cy="1739226"/>
+            <a:chOff x="7501953" y="4907117"/>
+            <a:chExt cx="890101" cy="1739226"/>
+          </a:xfrm>
+        </p:grpSpPr>
+        <p:sp>
+          <p:nvSpPr>
+            <p:cNvPr id="2" name="TextBox 1">
+              <a:extLst>
+                <a:ext uri="{FF2B5EF4-FFF2-40B4-BE49-F238E27FC236}">
+                  <a16:creationId xmlns:a16="http://schemas.microsoft.com/office/drawing/2014/main" id="{166F4FBA-C402-C376-28CD-0011FBB888CD}"/>
+                </a:ext>
+              </a:extLst>
+            </p:cNvPr>
+            <p:cNvSpPr txBox="1"/>
+            <p:nvPr/>
+          </p:nvSpPr>
+          <p:spPr>
+            <a:xfrm>
+              <a:off x="7612877" y="4907117"/>
+              <a:ext cx="779177" cy="830997"/>
+            </a:xfrm>
+            <a:prstGeom prst="rect">
+              <a:avLst/>
+            </a:prstGeom>
+            <a:solidFill>
+              <a:srgbClr val="FFFF00"/>
+            </a:solidFill>
+          </p:spPr>
+          <p:txBody>
+            <a:bodyPr wrap="square" rtlCol="0">
+              <a:spAutoFit/>
+            </a:bodyPr>
+            <a:lstStyle/>
+            <a:p>
+              <a:endParaRPr lang="en-US" sz="1600" dirty="0"/>
+            </a:p>
+            <a:p>
+              <a:r>
+                <a:rPr lang="en-US" sz="1600" dirty="0"/>
+                <a:t>LEFT</a:t>
+              </a:r>
+            </a:p>
+            <a:p>
+              <a:endParaRPr lang="en-SG" sz="1600" dirty="0"/>
+            </a:p>
+          </p:txBody>
+        </p:sp>
+        <p:sp>
+          <p:nvSpPr>
+            <p:cNvPr id="3" name="TextBox 2">
+              <a:extLst>
+                <a:ext uri="{FF2B5EF4-FFF2-40B4-BE49-F238E27FC236}">
+                  <a16:creationId xmlns:a16="http://schemas.microsoft.com/office/drawing/2014/main" id="{51D8FAC6-8A7F-6243-745F-09CEFBA55837}"/>
+                </a:ext>
+              </a:extLst>
+            </p:cNvPr>
+            <p:cNvSpPr txBox="1"/>
+            <p:nvPr/>
+          </p:nvSpPr>
+          <p:spPr>
+            <a:xfrm>
+              <a:off x="7501953" y="5815346"/>
+              <a:ext cx="779177" cy="830997"/>
+            </a:xfrm>
+            <a:prstGeom prst="rect">
+              <a:avLst/>
+            </a:prstGeom>
+            <a:solidFill>
+              <a:srgbClr val="FFFF00"/>
+            </a:solidFill>
+          </p:spPr>
+          <p:txBody>
+            <a:bodyPr wrap="square" rtlCol="0">
+              <a:spAutoFit/>
+            </a:bodyPr>
+            <a:lstStyle/>
+            <a:p>
+              <a:endParaRPr lang="en-US" sz="1600" dirty="0"/>
+            </a:p>
+            <a:p>
+              <a:r>
+                <a:rPr lang="en-US" sz="1600" dirty="0"/>
+                <a:t>RIGHT</a:t>
+              </a:r>
+            </a:p>
+            <a:p>
+              <a:endParaRPr lang="en-SG" sz="1600" dirty="0"/>
+            </a:p>
+          </p:txBody>
+        </p:sp>
+      </p:grpSp>
     </p:spTree>
     <p:extLst>
       <p:ext uri="{BB962C8B-B14F-4D97-AF65-F5344CB8AC3E}">
@@ -6608,6 +6822,113 @@
           </a:prstGeom>
         </p:spPr>
       </p:pic>
+      <p:grpSp>
+        <p:nvGrpSpPr>
+          <p:cNvPr id="8" name="Group 7">
+            <a:extLst>
+              <a:ext uri="{FF2B5EF4-FFF2-40B4-BE49-F238E27FC236}">
+                <a16:creationId xmlns:a16="http://schemas.microsoft.com/office/drawing/2014/main" id="{2E19A6E2-7702-EC36-4260-5C3F3C6C25F3}"/>
+              </a:ext>
+            </a:extLst>
+          </p:cNvPr>
+          <p:cNvGrpSpPr/>
+          <p:nvPr/>
+        </p:nvGrpSpPr>
+        <p:grpSpPr>
+          <a:xfrm>
+            <a:off x="7501953" y="4907117"/>
+            <a:ext cx="890101" cy="1739226"/>
+            <a:chOff x="7501953" y="4907117"/>
+            <a:chExt cx="890101" cy="1739226"/>
+          </a:xfrm>
+        </p:grpSpPr>
+        <p:sp>
+          <p:nvSpPr>
+            <p:cNvPr id="9" name="TextBox 8">
+              <a:extLst>
+                <a:ext uri="{FF2B5EF4-FFF2-40B4-BE49-F238E27FC236}">
+                  <a16:creationId xmlns:a16="http://schemas.microsoft.com/office/drawing/2014/main" id="{00280A86-F103-960A-B900-FAAE3F057A31}"/>
+                </a:ext>
+              </a:extLst>
+            </p:cNvPr>
+            <p:cNvSpPr txBox="1"/>
+            <p:nvPr/>
+          </p:nvSpPr>
+          <p:spPr>
+            <a:xfrm>
+              <a:off x="7612877" y="4907117"/>
+              <a:ext cx="779177" cy="830997"/>
+            </a:xfrm>
+            <a:prstGeom prst="rect">
+              <a:avLst/>
+            </a:prstGeom>
+            <a:solidFill>
+              <a:srgbClr val="FFFF00"/>
+            </a:solidFill>
+          </p:spPr>
+          <p:txBody>
+            <a:bodyPr wrap="square" rtlCol="0">
+              <a:spAutoFit/>
+            </a:bodyPr>
+            <a:lstStyle/>
+            <a:p>
+              <a:endParaRPr lang="en-US" sz="1600" dirty="0"/>
+            </a:p>
+            <a:p>
+              <a:r>
+                <a:rPr lang="en-US" sz="1600" dirty="0"/>
+                <a:t>LEFT</a:t>
+              </a:r>
+            </a:p>
+            <a:p>
+              <a:endParaRPr lang="en-SG" sz="1600" dirty="0"/>
+            </a:p>
+          </p:txBody>
+        </p:sp>
+        <p:sp>
+          <p:nvSpPr>
+            <p:cNvPr id="10" name="TextBox 9">
+              <a:extLst>
+                <a:ext uri="{FF2B5EF4-FFF2-40B4-BE49-F238E27FC236}">
+                  <a16:creationId xmlns:a16="http://schemas.microsoft.com/office/drawing/2014/main" id="{E8B32BA6-424F-650E-E681-24F943E1E627}"/>
+                </a:ext>
+              </a:extLst>
+            </p:cNvPr>
+            <p:cNvSpPr txBox="1"/>
+            <p:nvPr/>
+          </p:nvSpPr>
+          <p:spPr>
+            <a:xfrm>
+              <a:off x="7501953" y="5815346"/>
+              <a:ext cx="779177" cy="830997"/>
+            </a:xfrm>
+            <a:prstGeom prst="rect">
+              <a:avLst/>
+            </a:prstGeom>
+            <a:solidFill>
+              <a:srgbClr val="FFFF00"/>
+            </a:solidFill>
+          </p:spPr>
+          <p:txBody>
+            <a:bodyPr wrap="square" rtlCol="0">
+              <a:spAutoFit/>
+            </a:bodyPr>
+            <a:lstStyle/>
+            <a:p>
+              <a:endParaRPr lang="en-US" sz="1600" dirty="0"/>
+            </a:p>
+            <a:p>
+              <a:r>
+                <a:rPr lang="en-US" sz="1600" dirty="0"/>
+                <a:t>RIGHT</a:t>
+              </a:r>
+            </a:p>
+            <a:p>
+              <a:endParaRPr lang="en-SG" sz="1600" dirty="0"/>
+            </a:p>
+          </p:txBody>
+        </p:sp>
+      </p:grpSp>
     </p:spTree>
     <p:extLst>
       <p:ext uri="{BB962C8B-B14F-4D97-AF65-F5344CB8AC3E}">
@@ -7605,6 +7926,113 @@
           </a:prstGeom>
         </p:spPr>
       </p:pic>
+      <p:grpSp>
+        <p:nvGrpSpPr>
+          <p:cNvPr id="2" name="Group 1">
+            <a:extLst>
+              <a:ext uri="{FF2B5EF4-FFF2-40B4-BE49-F238E27FC236}">
+                <a16:creationId xmlns:a16="http://schemas.microsoft.com/office/drawing/2014/main" id="{8C9E29C6-2F32-CBFB-0D80-765A9927788F}"/>
+              </a:ext>
+            </a:extLst>
+          </p:cNvPr>
+          <p:cNvGrpSpPr/>
+          <p:nvPr/>
+        </p:nvGrpSpPr>
+        <p:grpSpPr>
+          <a:xfrm>
+            <a:off x="7501953" y="4907117"/>
+            <a:ext cx="890101" cy="1739226"/>
+            <a:chOff x="7501953" y="4907117"/>
+            <a:chExt cx="890101" cy="1739226"/>
+          </a:xfrm>
+        </p:grpSpPr>
+        <p:sp>
+          <p:nvSpPr>
+            <p:cNvPr id="3" name="TextBox 2">
+              <a:extLst>
+                <a:ext uri="{FF2B5EF4-FFF2-40B4-BE49-F238E27FC236}">
+                  <a16:creationId xmlns:a16="http://schemas.microsoft.com/office/drawing/2014/main" id="{78F7D8FB-E97F-FC65-B1FE-3D4FD5285476}"/>
+                </a:ext>
+              </a:extLst>
+            </p:cNvPr>
+            <p:cNvSpPr txBox="1"/>
+            <p:nvPr/>
+          </p:nvSpPr>
+          <p:spPr>
+            <a:xfrm>
+              <a:off x="7612877" y="4907117"/>
+              <a:ext cx="779177" cy="830997"/>
+            </a:xfrm>
+            <a:prstGeom prst="rect">
+              <a:avLst/>
+            </a:prstGeom>
+            <a:solidFill>
+              <a:srgbClr val="FFFF00"/>
+            </a:solidFill>
+          </p:spPr>
+          <p:txBody>
+            <a:bodyPr wrap="square" rtlCol="0">
+              <a:spAutoFit/>
+            </a:bodyPr>
+            <a:lstStyle/>
+            <a:p>
+              <a:endParaRPr lang="en-US" sz="1600" dirty="0"/>
+            </a:p>
+            <a:p>
+              <a:r>
+                <a:rPr lang="en-US" sz="1600" dirty="0"/>
+                <a:t>LEFT</a:t>
+              </a:r>
+            </a:p>
+            <a:p>
+              <a:endParaRPr lang="en-SG" sz="1600" dirty="0"/>
+            </a:p>
+          </p:txBody>
+        </p:sp>
+        <p:sp>
+          <p:nvSpPr>
+            <p:cNvPr id="4" name="TextBox 3">
+              <a:extLst>
+                <a:ext uri="{FF2B5EF4-FFF2-40B4-BE49-F238E27FC236}">
+                  <a16:creationId xmlns:a16="http://schemas.microsoft.com/office/drawing/2014/main" id="{4678CD4B-F2F9-44FC-533E-756672EF795D}"/>
+                </a:ext>
+              </a:extLst>
+            </p:cNvPr>
+            <p:cNvSpPr txBox="1"/>
+            <p:nvPr/>
+          </p:nvSpPr>
+          <p:spPr>
+            <a:xfrm>
+              <a:off x="7501953" y="5815346"/>
+              <a:ext cx="779177" cy="830997"/>
+            </a:xfrm>
+            <a:prstGeom prst="rect">
+              <a:avLst/>
+            </a:prstGeom>
+            <a:solidFill>
+              <a:srgbClr val="FFFF00"/>
+            </a:solidFill>
+          </p:spPr>
+          <p:txBody>
+            <a:bodyPr wrap="square" rtlCol="0">
+              <a:spAutoFit/>
+            </a:bodyPr>
+            <a:lstStyle/>
+            <a:p>
+              <a:endParaRPr lang="en-US" sz="1600" dirty="0"/>
+            </a:p>
+            <a:p>
+              <a:r>
+                <a:rPr lang="en-US" sz="1600" dirty="0"/>
+                <a:t>RIGHT</a:t>
+              </a:r>
+            </a:p>
+            <a:p>
+              <a:endParaRPr lang="en-SG" sz="1600" dirty="0"/>
+            </a:p>
+          </p:txBody>
+        </p:sp>
+      </p:grpSp>
     </p:spTree>
     <p:extLst>
       <p:ext uri="{BB962C8B-B14F-4D97-AF65-F5344CB8AC3E}">
@@ -8602,6 +9030,113 @@
           </a:prstGeom>
         </p:spPr>
       </p:pic>
+      <p:grpSp>
+        <p:nvGrpSpPr>
+          <p:cNvPr id="4" name="Group 3">
+            <a:extLst>
+              <a:ext uri="{FF2B5EF4-FFF2-40B4-BE49-F238E27FC236}">
+                <a16:creationId xmlns:a16="http://schemas.microsoft.com/office/drawing/2014/main" id="{980CCB2D-D755-EF00-D4F4-38C5154F65AA}"/>
+              </a:ext>
+            </a:extLst>
+          </p:cNvPr>
+          <p:cNvGrpSpPr/>
+          <p:nvPr/>
+        </p:nvGrpSpPr>
+        <p:grpSpPr>
+          <a:xfrm>
+            <a:off x="7501953" y="4907117"/>
+            <a:ext cx="890101" cy="1739226"/>
+            <a:chOff x="7501953" y="4907117"/>
+            <a:chExt cx="890101" cy="1739226"/>
+          </a:xfrm>
+        </p:grpSpPr>
+        <p:sp>
+          <p:nvSpPr>
+            <p:cNvPr id="6" name="TextBox 5">
+              <a:extLst>
+                <a:ext uri="{FF2B5EF4-FFF2-40B4-BE49-F238E27FC236}">
+                  <a16:creationId xmlns:a16="http://schemas.microsoft.com/office/drawing/2014/main" id="{DBBB899F-55F9-2C7D-0476-C5EDF01AC60D}"/>
+                </a:ext>
+              </a:extLst>
+            </p:cNvPr>
+            <p:cNvSpPr txBox="1"/>
+            <p:nvPr/>
+          </p:nvSpPr>
+          <p:spPr>
+            <a:xfrm>
+              <a:off x="7612877" y="4907117"/>
+              <a:ext cx="779177" cy="830997"/>
+            </a:xfrm>
+            <a:prstGeom prst="rect">
+              <a:avLst/>
+            </a:prstGeom>
+            <a:solidFill>
+              <a:srgbClr val="FFFF00"/>
+            </a:solidFill>
+          </p:spPr>
+          <p:txBody>
+            <a:bodyPr wrap="square" rtlCol="0">
+              <a:spAutoFit/>
+            </a:bodyPr>
+            <a:lstStyle/>
+            <a:p>
+              <a:endParaRPr lang="en-US" sz="1600" dirty="0"/>
+            </a:p>
+            <a:p>
+              <a:r>
+                <a:rPr lang="en-US" sz="1600" dirty="0"/>
+                <a:t>LEFT</a:t>
+              </a:r>
+            </a:p>
+            <a:p>
+              <a:endParaRPr lang="en-SG" sz="1600" dirty="0"/>
+            </a:p>
+          </p:txBody>
+        </p:sp>
+        <p:sp>
+          <p:nvSpPr>
+            <p:cNvPr id="8" name="TextBox 7">
+              <a:extLst>
+                <a:ext uri="{FF2B5EF4-FFF2-40B4-BE49-F238E27FC236}">
+                  <a16:creationId xmlns:a16="http://schemas.microsoft.com/office/drawing/2014/main" id="{3239B13F-970F-4DB3-E694-CBC76CE78EC7}"/>
+                </a:ext>
+              </a:extLst>
+            </p:cNvPr>
+            <p:cNvSpPr txBox="1"/>
+            <p:nvPr/>
+          </p:nvSpPr>
+          <p:spPr>
+            <a:xfrm>
+              <a:off x="7501953" y="5815346"/>
+              <a:ext cx="779177" cy="830997"/>
+            </a:xfrm>
+            <a:prstGeom prst="rect">
+              <a:avLst/>
+            </a:prstGeom>
+            <a:solidFill>
+              <a:srgbClr val="FFFF00"/>
+            </a:solidFill>
+          </p:spPr>
+          <p:txBody>
+            <a:bodyPr wrap="square" rtlCol="0">
+              <a:spAutoFit/>
+            </a:bodyPr>
+            <a:lstStyle/>
+            <a:p>
+              <a:endParaRPr lang="en-US" sz="1600" dirty="0"/>
+            </a:p>
+            <a:p>
+              <a:r>
+                <a:rPr lang="en-US" sz="1600" dirty="0"/>
+                <a:t>RIGHT</a:t>
+              </a:r>
+            </a:p>
+            <a:p>
+              <a:endParaRPr lang="en-SG" sz="1600" dirty="0"/>
+            </a:p>
+          </p:txBody>
+        </p:sp>
+      </p:grpSp>
     </p:spTree>
     <p:extLst>
       <p:ext uri="{BB962C8B-B14F-4D97-AF65-F5344CB8AC3E}">
@@ -9009,7 +9544,7 @@
         </p:nvSpPr>
         <p:spPr>
           <a:xfrm>
-            <a:off x="8387767" y="4560161"/>
+            <a:off x="8494992" y="4573361"/>
             <a:ext cx="476314" cy="369332"/>
           </a:xfrm>
           <a:prstGeom prst="rect">
@@ -9597,7 +10132,7 @@
         </p:blipFill>
         <p:spPr>
           <a:xfrm>
-            <a:off x="3804234" y="3365735"/>
+            <a:off x="3804234" y="2983180"/>
             <a:ext cx="5867400" cy="1450957"/>
           </a:xfrm>
           <a:prstGeom prst="rect">
@@ -9605,6 +10140,113 @@
           </a:prstGeom>
         </p:spPr>
       </p:pic>
+      <p:grpSp>
+        <p:nvGrpSpPr>
+          <p:cNvPr id="3" name="Group 2">
+            <a:extLst>
+              <a:ext uri="{FF2B5EF4-FFF2-40B4-BE49-F238E27FC236}">
+                <a16:creationId xmlns:a16="http://schemas.microsoft.com/office/drawing/2014/main" id="{215448B2-5EB0-6432-9580-299CD2EEFAB2}"/>
+              </a:ext>
+            </a:extLst>
+          </p:cNvPr>
+          <p:cNvGrpSpPr/>
+          <p:nvPr/>
+        </p:nvGrpSpPr>
+        <p:grpSpPr>
+          <a:xfrm>
+            <a:off x="7615517" y="4967733"/>
+            <a:ext cx="890101" cy="1739226"/>
+            <a:chOff x="7501953" y="4907117"/>
+            <a:chExt cx="890101" cy="1739226"/>
+          </a:xfrm>
+        </p:grpSpPr>
+        <p:sp>
+          <p:nvSpPr>
+            <p:cNvPr id="5" name="TextBox 4">
+              <a:extLst>
+                <a:ext uri="{FF2B5EF4-FFF2-40B4-BE49-F238E27FC236}">
+                  <a16:creationId xmlns:a16="http://schemas.microsoft.com/office/drawing/2014/main" id="{951BEC4B-1B38-94C9-DB60-30B4029D5C26}"/>
+                </a:ext>
+              </a:extLst>
+            </p:cNvPr>
+            <p:cNvSpPr txBox="1"/>
+            <p:nvPr/>
+          </p:nvSpPr>
+          <p:spPr>
+            <a:xfrm>
+              <a:off x="7612877" y="4907117"/>
+              <a:ext cx="779177" cy="830997"/>
+            </a:xfrm>
+            <a:prstGeom prst="rect">
+              <a:avLst/>
+            </a:prstGeom>
+            <a:solidFill>
+              <a:srgbClr val="FFFF00"/>
+            </a:solidFill>
+          </p:spPr>
+          <p:txBody>
+            <a:bodyPr wrap="square" rtlCol="0">
+              <a:spAutoFit/>
+            </a:bodyPr>
+            <a:lstStyle/>
+            <a:p>
+              <a:endParaRPr lang="en-US" sz="1600" dirty="0"/>
+            </a:p>
+            <a:p>
+              <a:r>
+                <a:rPr lang="en-US" sz="1600" dirty="0"/>
+                <a:t>LEFT</a:t>
+              </a:r>
+            </a:p>
+            <a:p>
+              <a:endParaRPr lang="en-SG" sz="1600" dirty="0"/>
+            </a:p>
+          </p:txBody>
+        </p:sp>
+        <p:sp>
+          <p:nvSpPr>
+            <p:cNvPr id="12" name="TextBox 11">
+              <a:extLst>
+                <a:ext uri="{FF2B5EF4-FFF2-40B4-BE49-F238E27FC236}">
+                  <a16:creationId xmlns:a16="http://schemas.microsoft.com/office/drawing/2014/main" id="{5ACEA42D-FE9B-64CF-59EE-7215EC2C6A38}"/>
+                </a:ext>
+              </a:extLst>
+            </p:cNvPr>
+            <p:cNvSpPr txBox="1"/>
+            <p:nvPr/>
+          </p:nvSpPr>
+          <p:spPr>
+            <a:xfrm>
+              <a:off x="7501953" y="5815346"/>
+              <a:ext cx="779177" cy="830997"/>
+            </a:xfrm>
+            <a:prstGeom prst="rect">
+              <a:avLst/>
+            </a:prstGeom>
+            <a:solidFill>
+              <a:srgbClr val="FFFF00"/>
+            </a:solidFill>
+          </p:spPr>
+          <p:txBody>
+            <a:bodyPr wrap="square" rtlCol="0">
+              <a:spAutoFit/>
+            </a:bodyPr>
+            <a:lstStyle/>
+            <a:p>
+              <a:endParaRPr lang="en-US" sz="1600" dirty="0"/>
+            </a:p>
+            <a:p>
+              <a:r>
+                <a:rPr lang="en-US" sz="1600" dirty="0"/>
+                <a:t>RIGHT</a:t>
+              </a:r>
+            </a:p>
+            <a:p>
+              <a:endParaRPr lang="en-SG" sz="1600" dirty="0"/>
+            </a:p>
+          </p:txBody>
+        </p:sp>
+      </p:grpSp>
     </p:spTree>
     <p:extLst>
       <p:ext uri="{BB962C8B-B14F-4D97-AF65-F5344CB8AC3E}">
